--- a/主我高舉你的名.pptx
+++ b/主我高舉你的名.pptx
@@ -8,7 +8,7 @@
     <p:sldId id="256" r:id="rId2"/>
     <p:sldId id="257" r:id="rId3"/>
   </p:sldIdLst>
-  <p:sldSz cx="9144000" cy="6858000" type="screen4x3"/>
+  <p:sldSz cx="12192000" cy="6858000"/>
   <p:notesSz cx="6858000" cy="9144000"/>
   <p:defaultTextStyle>
     <a:defPPr>
@@ -105,6 +105,22 @@
       </a:defRPr>
     </a:lvl9pPr>
   </p:defaultTextStyle>
+  <p:extLst>
+    <p:ext uri="{EFAFB233-063F-42B5-8137-9DF3F51BA10A}">
+      <p15:sldGuideLst xmlns:p15="http://schemas.microsoft.com/office/powerpoint/2012/main">
+        <p15:guide id="1" orient="horz" pos="2160" userDrawn="1">
+          <p15:clr>
+            <a:srgbClr val="A4A3A4"/>
+          </p15:clr>
+        </p15:guide>
+        <p15:guide id="2" pos="3840" userDrawn="1">
+          <p15:clr>
+            <a:srgbClr val="A4A3A4"/>
+          </p15:clr>
+        </p15:guide>
+      </p15:sldGuideLst>
+    </p:ext>
+  </p:extLst>
 </p:presentation>
 </file>
 
@@ -137,8 +153,8 @@
         </p:nvSpPr>
         <p:spPr>
           <a:xfrm>
-            <a:off x="685800" y="2130425"/>
-            <a:ext cx="7772400" cy="1470025"/>
+            <a:off x="914400" y="2130426"/>
+            <a:ext cx="10363200" cy="1470025"/>
           </a:xfrm>
         </p:spPr>
         <p:txBody>
@@ -165,8 +181,8 @@
         </p:nvSpPr>
         <p:spPr>
           <a:xfrm>
-            <a:off x="1371600" y="3886200"/>
-            <a:ext cx="6400800" cy="1752600"/>
+            <a:off x="1828800" y="3886200"/>
+            <a:ext cx="8534400" cy="1752600"/>
           </a:xfrm>
         </p:spPr>
         <p:txBody>
@@ -290,7 +306,7 @@
             <a:fld id="{EEC551BE-2332-4372-852A-7F4471651BAB}" type="datetimeFigureOut">
               <a:rPr lang="en-US" smtClean="0"/>
               <a:pPr/>
-              <a:t>4/5/2018</a:t>
+              <a:t>10/17/2019</a:t>
             </a:fld>
             <a:endParaRPr lang="en-US"/>
           </a:p>
@@ -457,7 +473,7 @@
             <a:fld id="{EEC551BE-2332-4372-852A-7F4471651BAB}" type="datetimeFigureOut">
               <a:rPr lang="en-US" smtClean="0"/>
               <a:pPr/>
-              <a:t>4/5/2018</a:t>
+              <a:t>10/17/2019</a:t>
             </a:fld>
             <a:endParaRPr lang="en-US"/>
           </a:p>
@@ -543,8 +559,8 @@
         </p:nvSpPr>
         <p:spPr>
           <a:xfrm>
-            <a:off x="6629400" y="274638"/>
-            <a:ext cx="2057400" cy="5851525"/>
+            <a:off x="8839200" y="274639"/>
+            <a:ext cx="2743200" cy="5851525"/>
           </a:xfrm>
         </p:spPr>
         <p:txBody>
@@ -571,8 +587,8 @@
         </p:nvSpPr>
         <p:spPr>
           <a:xfrm>
-            <a:off x="457200" y="274638"/>
-            <a:ext cx="6019800" cy="5851525"/>
+            <a:off x="609600" y="274639"/>
+            <a:ext cx="8026400" cy="5851525"/>
           </a:xfrm>
         </p:spPr>
         <p:txBody>
@@ -634,7 +650,7 @@
             <a:fld id="{EEC551BE-2332-4372-852A-7F4471651BAB}" type="datetimeFigureOut">
               <a:rPr lang="en-US" smtClean="0"/>
               <a:pPr/>
-              <a:t>4/5/2018</a:t>
+              <a:t>10/17/2019</a:t>
             </a:fld>
             <a:endParaRPr lang="en-US"/>
           </a:p>
@@ -801,7 +817,7 @@
             <a:fld id="{EEC551BE-2332-4372-852A-7F4471651BAB}" type="datetimeFigureOut">
               <a:rPr lang="en-US" smtClean="0"/>
               <a:pPr/>
-              <a:t>4/5/2018</a:t>
+              <a:t>10/17/2019</a:t>
             </a:fld>
             <a:endParaRPr lang="en-US"/>
           </a:p>
@@ -887,8 +903,8 @@
         </p:nvSpPr>
         <p:spPr>
           <a:xfrm>
-            <a:off x="722313" y="4406900"/>
-            <a:ext cx="7772400" cy="1362075"/>
+            <a:off x="963084" y="4406901"/>
+            <a:ext cx="10363200" cy="1362075"/>
           </a:xfrm>
         </p:spPr>
         <p:txBody>
@@ -919,8 +935,8 @@
         </p:nvSpPr>
         <p:spPr>
           <a:xfrm>
-            <a:off x="722313" y="2906713"/>
-            <a:ext cx="7772400" cy="1500187"/>
+            <a:off x="963084" y="2906713"/>
+            <a:ext cx="10363200" cy="1500187"/>
           </a:xfrm>
         </p:spPr>
         <p:txBody>
@@ -1044,7 +1060,7 @@
             <a:fld id="{EEC551BE-2332-4372-852A-7F4471651BAB}" type="datetimeFigureOut">
               <a:rPr lang="en-US" smtClean="0"/>
               <a:pPr/>
-              <a:t>4/5/2018</a:t>
+              <a:t>10/17/2019</a:t>
             </a:fld>
             <a:endParaRPr lang="en-US"/>
           </a:p>
@@ -1153,8 +1169,8 @@
         </p:nvSpPr>
         <p:spPr>
           <a:xfrm>
-            <a:off x="457200" y="1600200"/>
-            <a:ext cx="4038600" cy="4525963"/>
+            <a:off x="609600" y="1600201"/>
+            <a:ext cx="5384800" cy="4525963"/>
           </a:xfrm>
         </p:spPr>
         <p:txBody>
@@ -1238,8 +1254,8 @@
         </p:nvSpPr>
         <p:spPr>
           <a:xfrm>
-            <a:off x="4648200" y="1600200"/>
-            <a:ext cx="4038600" cy="4525963"/>
+            <a:off x="6197600" y="1600201"/>
+            <a:ext cx="5384800" cy="4525963"/>
           </a:xfrm>
         </p:spPr>
         <p:txBody>
@@ -1329,7 +1345,7 @@
             <a:fld id="{EEC551BE-2332-4372-852A-7F4471651BAB}" type="datetimeFigureOut">
               <a:rPr lang="en-US" smtClean="0"/>
               <a:pPr/>
-              <a:t>4/5/2018</a:t>
+              <a:t>10/17/2019</a:t>
             </a:fld>
             <a:endParaRPr lang="en-US"/>
           </a:p>
@@ -1442,8 +1458,8 @@
         </p:nvSpPr>
         <p:spPr>
           <a:xfrm>
-            <a:off x="457200" y="1535113"/>
-            <a:ext cx="4040188" cy="639762"/>
+            <a:off x="609600" y="1535113"/>
+            <a:ext cx="5386917" cy="639762"/>
           </a:xfrm>
         </p:spPr>
         <p:txBody>
@@ -1507,8 +1523,8 @@
         </p:nvSpPr>
         <p:spPr>
           <a:xfrm>
-            <a:off x="457200" y="2174875"/>
-            <a:ext cx="4040188" cy="3951288"/>
+            <a:off x="609600" y="2174875"/>
+            <a:ext cx="5386917" cy="3951288"/>
           </a:xfrm>
         </p:spPr>
         <p:txBody>
@@ -1592,8 +1608,8 @@
         </p:nvSpPr>
         <p:spPr>
           <a:xfrm>
-            <a:off x="4645025" y="1535113"/>
-            <a:ext cx="4041775" cy="639762"/>
+            <a:off x="6193368" y="1535113"/>
+            <a:ext cx="5389033" cy="639762"/>
           </a:xfrm>
         </p:spPr>
         <p:txBody>
@@ -1657,8 +1673,8 @@
         </p:nvSpPr>
         <p:spPr>
           <a:xfrm>
-            <a:off x="4645025" y="2174875"/>
-            <a:ext cx="4041775" cy="3951288"/>
+            <a:off x="6193368" y="2174875"/>
+            <a:ext cx="5389033" cy="3951288"/>
           </a:xfrm>
         </p:spPr>
         <p:txBody>
@@ -1748,7 +1764,7 @@
             <a:fld id="{EEC551BE-2332-4372-852A-7F4471651BAB}" type="datetimeFigureOut">
               <a:rPr lang="en-US" smtClean="0"/>
               <a:pPr/>
-              <a:t>4/5/2018</a:t>
+              <a:t>10/17/2019</a:t>
             </a:fld>
             <a:endParaRPr lang="en-US"/>
           </a:p>
@@ -1863,7 +1879,7 @@
             <a:fld id="{EEC551BE-2332-4372-852A-7F4471651BAB}" type="datetimeFigureOut">
               <a:rPr lang="en-US" smtClean="0"/>
               <a:pPr/>
-              <a:t>4/5/2018</a:t>
+              <a:t>10/17/2019</a:t>
             </a:fld>
             <a:endParaRPr lang="en-US"/>
           </a:p>
@@ -1955,7 +1971,7 @@
             <a:fld id="{EEC551BE-2332-4372-852A-7F4471651BAB}" type="datetimeFigureOut">
               <a:rPr lang="en-US" smtClean="0"/>
               <a:pPr/>
-              <a:t>4/5/2018</a:t>
+              <a:t>10/17/2019</a:t>
             </a:fld>
             <a:endParaRPr lang="en-US"/>
           </a:p>
@@ -2041,8 +2057,8 @@
         </p:nvSpPr>
         <p:spPr>
           <a:xfrm>
-            <a:off x="457200" y="273050"/>
-            <a:ext cx="3008313" cy="1162050"/>
+            <a:off x="609601" y="273050"/>
+            <a:ext cx="4011084" cy="1162050"/>
           </a:xfrm>
         </p:spPr>
         <p:txBody>
@@ -2073,8 +2089,8 @@
         </p:nvSpPr>
         <p:spPr>
           <a:xfrm>
-            <a:off x="3575050" y="273050"/>
-            <a:ext cx="5111750" cy="5853113"/>
+            <a:off x="4766733" y="273051"/>
+            <a:ext cx="6815667" cy="5853113"/>
           </a:xfrm>
         </p:spPr>
         <p:txBody>
@@ -2158,8 +2174,8 @@
         </p:nvSpPr>
         <p:spPr>
           <a:xfrm>
-            <a:off x="457200" y="1435100"/>
-            <a:ext cx="3008313" cy="4691063"/>
+            <a:off x="609601" y="1435101"/>
+            <a:ext cx="4011084" cy="4691063"/>
           </a:xfrm>
         </p:spPr>
         <p:txBody>
@@ -2229,7 +2245,7 @@
             <a:fld id="{EEC551BE-2332-4372-852A-7F4471651BAB}" type="datetimeFigureOut">
               <a:rPr lang="en-US" smtClean="0"/>
               <a:pPr/>
-              <a:t>4/5/2018</a:t>
+              <a:t>10/17/2019</a:t>
             </a:fld>
             <a:endParaRPr lang="en-US"/>
           </a:p>
@@ -2315,8 +2331,8 @@
         </p:nvSpPr>
         <p:spPr>
           <a:xfrm>
-            <a:off x="1792288" y="4800600"/>
-            <a:ext cx="5486400" cy="566738"/>
+            <a:off x="2389717" y="4800600"/>
+            <a:ext cx="7315200" cy="566738"/>
           </a:xfrm>
         </p:spPr>
         <p:txBody>
@@ -2347,8 +2363,8 @@
         </p:nvSpPr>
         <p:spPr>
           <a:xfrm>
-            <a:off x="1792288" y="612775"/>
-            <a:ext cx="5486400" cy="4114800"/>
+            <a:off x="2389717" y="612775"/>
+            <a:ext cx="7315200" cy="4114800"/>
           </a:xfrm>
         </p:spPr>
         <p:txBody>
@@ -2412,8 +2428,8 @@
         </p:nvSpPr>
         <p:spPr>
           <a:xfrm>
-            <a:off x="1792288" y="5367338"/>
-            <a:ext cx="5486400" cy="804862"/>
+            <a:off x="2389717" y="5367338"/>
+            <a:ext cx="7315200" cy="804862"/>
           </a:xfrm>
         </p:spPr>
         <p:txBody>
@@ -2483,7 +2499,7 @@
             <a:fld id="{EEC551BE-2332-4372-852A-7F4471651BAB}" type="datetimeFigureOut">
               <a:rPr lang="en-US" smtClean="0"/>
               <a:pPr/>
-              <a:t>4/5/2018</a:t>
+              <a:t>10/17/2019</a:t>
             </a:fld>
             <a:endParaRPr lang="en-US"/>
           </a:p>
@@ -2579,8 +2595,8 @@
         </p:nvSpPr>
         <p:spPr>
           <a:xfrm>
-            <a:off x="457200" y="274638"/>
-            <a:ext cx="8229600" cy="1143000"/>
+            <a:off x="609600" y="274638"/>
+            <a:ext cx="10972800" cy="1143000"/>
           </a:xfrm>
           <a:prstGeom prst="rect">
             <a:avLst/>
@@ -2612,8 +2628,8 @@
         </p:nvSpPr>
         <p:spPr>
           <a:xfrm>
-            <a:off x="457200" y="1600200"/>
-            <a:ext cx="8229600" cy="4525963"/>
+            <a:off x="609600" y="1600201"/>
+            <a:ext cx="10972800" cy="4525963"/>
           </a:xfrm>
           <a:prstGeom prst="rect">
             <a:avLst/>
@@ -2674,8 +2690,8 @@
         </p:nvSpPr>
         <p:spPr>
           <a:xfrm>
-            <a:off x="457200" y="6356350"/>
-            <a:ext cx="2133600" cy="365125"/>
+            <a:off x="609600" y="6356351"/>
+            <a:ext cx="2844800" cy="365125"/>
           </a:xfrm>
           <a:prstGeom prst="rect">
             <a:avLst/>
@@ -2698,7 +2714,7 @@
             <a:fld id="{EEC551BE-2332-4372-852A-7F4471651BAB}" type="datetimeFigureOut">
               <a:rPr lang="en-US" smtClean="0"/>
               <a:pPr/>
-              <a:t>4/5/2018</a:t>
+              <a:t>10/17/2019</a:t>
             </a:fld>
             <a:endParaRPr lang="en-US"/>
           </a:p>
@@ -2716,8 +2732,8 @@
         </p:nvSpPr>
         <p:spPr>
           <a:xfrm>
-            <a:off x="3124200" y="6356350"/>
-            <a:ext cx="2895600" cy="365125"/>
+            <a:off x="4165600" y="6356351"/>
+            <a:ext cx="3860800" cy="365125"/>
           </a:xfrm>
           <a:prstGeom prst="rect">
             <a:avLst/>
@@ -2753,8 +2769,8 @@
         </p:nvSpPr>
         <p:spPr>
           <a:xfrm>
-            <a:off x="6553200" y="6356350"/>
-            <a:ext cx="2133600" cy="365125"/>
+            <a:off x="8737600" y="6356351"/>
+            <a:ext cx="2844800" cy="365125"/>
           </a:xfrm>
           <a:prstGeom prst="rect">
             <a:avLst/>
@@ -3081,7 +3097,7 @@
         </p:nvSpPr>
         <p:spPr>
           <a:xfrm>
-            <a:off x="457200" y="0"/>
+            <a:off x="1981200" y="0"/>
             <a:ext cx="8229600" cy="1524000"/>
           </a:xfrm>
         </p:spPr>
@@ -3092,7 +3108,7 @@
           <a:lstStyle/>
           <a:p>
             <a:r>
-              <a:rPr lang="zh-TW" altLang="en-US" b="1" dirty="0" smtClean="0">
+              <a:rPr lang="zh-TW" altLang="en-US" sz="4800" b="1" dirty="0" smtClean="0">
                 <a:solidFill>
                   <a:srgbClr val="000066"/>
                 </a:solidFill>
@@ -3101,7 +3117,7 @@
               </a:rPr>
               <a:t>主我高舉你的名</a:t>
             </a:r>
-            <a:endParaRPr lang="en-US" b="1" dirty="0">
+            <a:endParaRPr lang="en-US" sz="4800" b="1" dirty="0">
               <a:solidFill>
                 <a:srgbClr val="000066"/>
               </a:solidFill>
@@ -3123,7 +3139,7 @@
         </p:nvSpPr>
         <p:spPr>
           <a:xfrm>
-            <a:off x="0" y="1524000"/>
+            <a:off x="1524000" y="1524000"/>
             <a:ext cx="9144000" cy="3962400"/>
           </a:xfrm>
         </p:spPr>
@@ -3137,7 +3153,7 @@
               <a:buNone/>
             </a:pPr>
             <a:r>
-              <a:rPr lang="zh-TW" altLang="en-US" sz="5400" b="1" dirty="0">
+              <a:rPr lang="zh-TW" altLang="en-US" sz="6000" b="1" dirty="0">
                 <a:solidFill>
                   <a:srgbClr val="000066"/>
                 </a:solidFill>
@@ -3147,7 +3163,7 @@
               <a:t>主我高舉你的</a:t>
             </a:r>
             <a:r>
-              <a:rPr lang="zh-TW" altLang="en-US" sz="5400" b="1" dirty="0" smtClean="0">
+              <a:rPr lang="zh-TW" altLang="en-US" sz="6000" b="1" dirty="0">
                 <a:solidFill>
                   <a:srgbClr val="000066"/>
                 </a:solidFill>
@@ -3156,7 +3172,7 @@
               </a:rPr>
               <a:t>名</a:t>
             </a:r>
-            <a:endParaRPr lang="en-US" altLang="zh-TW" sz="5400" b="1" dirty="0" smtClean="0">
+            <a:endParaRPr lang="en-US" altLang="zh-TW" sz="6000" b="1" dirty="0">
               <a:solidFill>
                 <a:srgbClr val="000066"/>
               </a:solidFill>
@@ -3169,7 +3185,7 @@
               <a:buNone/>
             </a:pPr>
             <a:r>
-              <a:rPr lang="zh-TW" altLang="en-US" sz="5400" b="1" dirty="0" smtClean="0">
+              <a:rPr lang="zh-TW" altLang="en-US" sz="6000" b="1" dirty="0">
                 <a:solidFill>
                   <a:srgbClr val="000066"/>
                 </a:solidFill>
@@ -3179,7 +3195,7 @@
               <a:t>主</a:t>
             </a:r>
             <a:r>
-              <a:rPr lang="zh-TW" altLang="en-US" sz="5400" b="1" dirty="0">
+              <a:rPr lang="zh-TW" altLang="en-US" sz="6000" b="1" dirty="0">
                 <a:solidFill>
                   <a:srgbClr val="000066"/>
                 </a:solidFill>
@@ -3189,7 +3205,7 @@
               <a:t>我深愛稱頌</a:t>
             </a:r>
             <a:r>
-              <a:rPr lang="zh-TW" altLang="en-US" sz="5400" b="1" dirty="0" smtClean="0">
+              <a:rPr lang="zh-TW" altLang="en-US" sz="6000" b="1" dirty="0">
                 <a:solidFill>
                   <a:srgbClr val="000066"/>
                 </a:solidFill>
@@ -3198,7 +3214,7 @@
               </a:rPr>
               <a:t>你</a:t>
             </a:r>
-            <a:endParaRPr lang="en-US" altLang="zh-TW" sz="5400" b="1" dirty="0">
+            <a:endParaRPr lang="en-US" altLang="zh-TW" sz="6000" b="1" dirty="0">
               <a:solidFill>
                 <a:srgbClr val="000066"/>
               </a:solidFill>
@@ -3211,7 +3227,7 @@
               <a:buNone/>
             </a:pPr>
             <a:r>
-              <a:rPr lang="zh-TW" altLang="en-US" sz="5400" b="1" dirty="0" smtClean="0">
+              <a:rPr lang="zh-TW" altLang="en-US" sz="6000" b="1" dirty="0">
                 <a:solidFill>
                   <a:srgbClr val="000066"/>
                 </a:solidFill>
@@ -3221,7 +3237,7 @@
               <a:t>我</a:t>
             </a:r>
             <a:r>
-              <a:rPr lang="zh-TW" altLang="en-US" sz="5400" b="1" dirty="0">
+              <a:rPr lang="zh-TW" altLang="en-US" sz="6000" b="1" dirty="0">
                 <a:solidFill>
                   <a:srgbClr val="000066"/>
                 </a:solidFill>
@@ -3231,7 +3247,7 @@
               <a:t>甚欣慰你愛</a:t>
             </a:r>
             <a:r>
-              <a:rPr lang="zh-TW" altLang="en-US" sz="5400" b="1" dirty="0" smtClean="0">
+              <a:rPr lang="zh-TW" altLang="en-US" sz="6000" b="1" dirty="0">
                 <a:solidFill>
                   <a:srgbClr val="000066"/>
                 </a:solidFill>
@@ -3240,7 +3256,7 @@
               </a:rPr>
               <a:t>我</a:t>
             </a:r>
-            <a:endParaRPr lang="en-US" altLang="zh-TW" sz="5400" b="1" dirty="0" smtClean="0">
+            <a:endParaRPr lang="en-US" altLang="zh-TW" sz="6000" b="1" dirty="0">
               <a:solidFill>
                 <a:srgbClr val="000066"/>
               </a:solidFill>
@@ -3253,7 +3269,7 @@
               <a:buNone/>
             </a:pPr>
             <a:r>
-              <a:rPr lang="zh-TW" altLang="en-US" sz="5400" b="1" dirty="0" smtClean="0">
+              <a:rPr lang="zh-TW" altLang="en-US" sz="6000" b="1" dirty="0">
                 <a:solidFill>
                   <a:srgbClr val="000066"/>
                 </a:solidFill>
@@ -3263,7 +3279,7 @@
               <a:t>我</a:t>
             </a:r>
             <a:r>
-              <a:rPr lang="zh-TW" altLang="en-US" sz="5400" b="1" dirty="0">
+              <a:rPr lang="zh-TW" altLang="en-US" sz="6000" b="1" dirty="0">
                 <a:solidFill>
                   <a:srgbClr val="000066"/>
                 </a:solidFill>
@@ -3273,7 +3289,7 @@
               <a:t>甚欣慰你救贖</a:t>
             </a:r>
             <a:r>
-              <a:rPr lang="zh-TW" altLang="en-US" sz="5400" b="1" dirty="0" smtClean="0">
+              <a:rPr lang="zh-TW" altLang="en-US" sz="6000" b="1" dirty="0">
                 <a:solidFill>
                   <a:srgbClr val="000066"/>
                 </a:solidFill>
@@ -3282,7 +3298,7 @@
               </a:rPr>
               <a:t>我</a:t>
             </a:r>
-            <a:endParaRPr lang="en-US" sz="5400" b="1" dirty="0">
+            <a:endParaRPr lang="en-US" sz="6000" b="1" dirty="0">
               <a:solidFill>
                 <a:srgbClr val="000066"/>
               </a:solidFill>
@@ -3329,7 +3345,7 @@
         </p:nvSpPr>
         <p:spPr>
           <a:xfrm>
-            <a:off x="457200" y="0"/>
+            <a:off x="1981200" y="0"/>
             <a:ext cx="8229600" cy="1524000"/>
           </a:xfrm>
         </p:spPr>
@@ -3340,7 +3356,7 @@
           <a:lstStyle/>
           <a:p>
             <a:r>
-              <a:rPr lang="zh-TW" altLang="en-US" b="1" dirty="0" smtClean="0">
+              <a:rPr lang="zh-TW" altLang="en-US" sz="4800" b="1" dirty="0" smtClean="0">
                 <a:solidFill>
                   <a:srgbClr val="000066"/>
                 </a:solidFill>
@@ -3349,7 +3365,7 @@
               </a:rPr>
               <a:t>主我高舉你的名</a:t>
             </a:r>
-            <a:endParaRPr lang="en-US" b="1" dirty="0">
+            <a:endParaRPr lang="en-US" sz="4800" b="1" dirty="0">
               <a:solidFill>
                 <a:srgbClr val="000066"/>
               </a:solidFill>
@@ -3372,7 +3388,7 @@
         <p:spPr>
           <a:xfrm>
             <a:off x="0" y="1524000"/>
-            <a:ext cx="9144000" cy="3962400"/>
+            <a:ext cx="12192000" cy="3962400"/>
           </a:xfrm>
         </p:spPr>
         <p:txBody>
@@ -3385,7 +3401,7 @@
               <a:buNone/>
             </a:pPr>
             <a:r>
-              <a:rPr lang="zh-TW" altLang="en-US" sz="5400" b="1" dirty="0" smtClean="0">
+              <a:rPr lang="zh-TW" altLang="en-US" sz="6000" b="1" dirty="0">
                 <a:solidFill>
                   <a:srgbClr val="000066"/>
                 </a:solidFill>
@@ -3394,7 +3410,7 @@
               </a:rPr>
               <a:t>你從天上降世間  指引我路</a:t>
             </a:r>
-            <a:endParaRPr lang="en-US" altLang="zh-TW" sz="5400" b="1" dirty="0" smtClean="0">
+            <a:endParaRPr lang="en-US" altLang="zh-TW" sz="6000" b="1" dirty="0">
               <a:solidFill>
                 <a:srgbClr val="000066"/>
               </a:solidFill>
@@ -3407,7 +3423,7 @@
               <a:buNone/>
             </a:pPr>
             <a:r>
-              <a:rPr lang="zh-TW" altLang="en-US" sz="5400" b="1" dirty="0" smtClean="0">
+              <a:rPr lang="zh-TW" altLang="en-US" sz="6000" b="1" dirty="0">
                 <a:solidFill>
                   <a:srgbClr val="000066"/>
                 </a:solidFill>
@@ -3416,7 +3432,7 @@
               </a:rPr>
               <a:t>在世間被釘十架  我罪得贖</a:t>
             </a:r>
-            <a:endParaRPr lang="en-US" altLang="zh-TW" sz="5400" b="1" dirty="0" smtClean="0">
+            <a:endParaRPr lang="en-US" altLang="zh-TW" sz="6000" b="1" dirty="0">
               <a:solidFill>
                 <a:srgbClr val="000066"/>
               </a:solidFill>
@@ -3429,7 +3445,7 @@
               <a:buNone/>
             </a:pPr>
             <a:r>
-              <a:rPr lang="zh-TW" altLang="en-US" sz="5400" b="1" dirty="0" smtClean="0">
+              <a:rPr lang="zh-TW" altLang="en-US" sz="6000" b="1" dirty="0">
                 <a:solidFill>
                   <a:srgbClr val="000066"/>
                 </a:solidFill>
@@ -3438,7 +3454,7 @@
               </a:rPr>
               <a:t>從十架到墳塋  從墳塋升回天</a:t>
             </a:r>
-            <a:endParaRPr lang="en-US" altLang="zh-TW" sz="5400" b="1" dirty="0" smtClean="0">
+            <a:endParaRPr lang="en-US" altLang="zh-TW" sz="6000" b="1" dirty="0">
               <a:solidFill>
                 <a:srgbClr val="000066"/>
               </a:solidFill>
@@ -3451,7 +3467,7 @@
               <a:buNone/>
             </a:pPr>
             <a:r>
-              <a:rPr lang="zh-TW" altLang="en-US" sz="5400" b="1" dirty="0" smtClean="0">
+              <a:rPr lang="zh-TW" altLang="en-US" sz="6000" b="1" dirty="0">
                 <a:solidFill>
                   <a:srgbClr val="000066"/>
                 </a:solidFill>
@@ -3460,7 +3476,7 @@
               </a:rPr>
               <a:t>主我高舉你的名</a:t>
             </a:r>
-            <a:endParaRPr lang="en-US" sz="5400" b="1" dirty="0">
+            <a:endParaRPr lang="en-US" sz="6000" b="1" dirty="0">
               <a:solidFill>
                 <a:srgbClr val="000066"/>
               </a:solidFill>

--- a/主我高舉你的名.pptx
+++ b/主我高舉你的名.pptx
@@ -306,7 +306,7 @@
             <a:fld id="{EEC551BE-2332-4372-852A-7F4471651BAB}" type="datetimeFigureOut">
               <a:rPr lang="en-US" smtClean="0"/>
               <a:pPr/>
-              <a:t>10/17/2019</a:t>
+              <a:t>4/10/2020</a:t>
             </a:fld>
             <a:endParaRPr lang="en-US"/>
           </a:p>
@@ -473,7 +473,7 @@
             <a:fld id="{EEC551BE-2332-4372-852A-7F4471651BAB}" type="datetimeFigureOut">
               <a:rPr lang="en-US" smtClean="0"/>
               <a:pPr/>
-              <a:t>10/17/2019</a:t>
+              <a:t>4/10/2020</a:t>
             </a:fld>
             <a:endParaRPr lang="en-US"/>
           </a:p>
@@ -650,7 +650,7 @@
             <a:fld id="{EEC551BE-2332-4372-852A-7F4471651BAB}" type="datetimeFigureOut">
               <a:rPr lang="en-US" smtClean="0"/>
               <a:pPr/>
-              <a:t>10/17/2019</a:t>
+              <a:t>4/10/2020</a:t>
             </a:fld>
             <a:endParaRPr lang="en-US"/>
           </a:p>
@@ -817,7 +817,7 @@
             <a:fld id="{EEC551BE-2332-4372-852A-7F4471651BAB}" type="datetimeFigureOut">
               <a:rPr lang="en-US" smtClean="0"/>
               <a:pPr/>
-              <a:t>10/17/2019</a:t>
+              <a:t>4/10/2020</a:t>
             </a:fld>
             <a:endParaRPr lang="en-US"/>
           </a:p>
@@ -1060,7 +1060,7 @@
             <a:fld id="{EEC551BE-2332-4372-852A-7F4471651BAB}" type="datetimeFigureOut">
               <a:rPr lang="en-US" smtClean="0"/>
               <a:pPr/>
-              <a:t>10/17/2019</a:t>
+              <a:t>4/10/2020</a:t>
             </a:fld>
             <a:endParaRPr lang="en-US"/>
           </a:p>
@@ -1345,7 +1345,7 @@
             <a:fld id="{EEC551BE-2332-4372-852A-7F4471651BAB}" type="datetimeFigureOut">
               <a:rPr lang="en-US" smtClean="0"/>
               <a:pPr/>
-              <a:t>10/17/2019</a:t>
+              <a:t>4/10/2020</a:t>
             </a:fld>
             <a:endParaRPr lang="en-US"/>
           </a:p>
@@ -1764,7 +1764,7 @@
             <a:fld id="{EEC551BE-2332-4372-852A-7F4471651BAB}" type="datetimeFigureOut">
               <a:rPr lang="en-US" smtClean="0"/>
               <a:pPr/>
-              <a:t>10/17/2019</a:t>
+              <a:t>4/10/2020</a:t>
             </a:fld>
             <a:endParaRPr lang="en-US"/>
           </a:p>
@@ -1879,7 +1879,7 @@
             <a:fld id="{EEC551BE-2332-4372-852A-7F4471651BAB}" type="datetimeFigureOut">
               <a:rPr lang="en-US" smtClean="0"/>
               <a:pPr/>
-              <a:t>10/17/2019</a:t>
+              <a:t>4/10/2020</a:t>
             </a:fld>
             <a:endParaRPr lang="en-US"/>
           </a:p>
@@ -1971,7 +1971,7 @@
             <a:fld id="{EEC551BE-2332-4372-852A-7F4471651BAB}" type="datetimeFigureOut">
               <a:rPr lang="en-US" smtClean="0"/>
               <a:pPr/>
-              <a:t>10/17/2019</a:t>
+              <a:t>4/10/2020</a:t>
             </a:fld>
             <a:endParaRPr lang="en-US"/>
           </a:p>
@@ -2245,7 +2245,7 @@
             <a:fld id="{EEC551BE-2332-4372-852A-7F4471651BAB}" type="datetimeFigureOut">
               <a:rPr lang="en-US" smtClean="0"/>
               <a:pPr/>
-              <a:t>10/17/2019</a:t>
+              <a:t>4/10/2020</a:t>
             </a:fld>
             <a:endParaRPr lang="en-US"/>
           </a:p>
@@ -2499,7 +2499,7 @@
             <a:fld id="{EEC551BE-2332-4372-852A-7F4471651BAB}" type="datetimeFigureOut">
               <a:rPr lang="en-US" smtClean="0"/>
               <a:pPr/>
-              <a:t>10/17/2019</a:t>
+              <a:t>4/10/2020</a:t>
             </a:fld>
             <a:endParaRPr lang="en-US"/>
           </a:p>
@@ -2714,7 +2714,7 @@
             <a:fld id="{EEC551BE-2332-4372-852A-7F4471651BAB}" type="datetimeFigureOut">
               <a:rPr lang="en-US" smtClean="0"/>
               <a:pPr/>
-              <a:t>10/17/2019</a:t>
+              <a:t>4/10/2020</a:t>
             </a:fld>
             <a:endParaRPr lang="en-US"/>
           </a:p>
@@ -3115,7 +3115,47 @@
                 <a:latin typeface="微軟正黑體" pitchFamily="34" charset="-120"/>
                 <a:ea typeface="微軟正黑體" pitchFamily="34" charset="-120"/>
               </a:rPr>
-              <a:t>主我高舉你的名</a:t>
+              <a:t>主我高</a:t>
+            </a:r>
+            <a:r>
+              <a:rPr lang="zh-TW" altLang="en-US" sz="4800" b="1" dirty="0" smtClean="0">
+                <a:solidFill>
+                  <a:srgbClr val="000066"/>
+                </a:solidFill>
+                <a:latin typeface="微軟正黑體" pitchFamily="34" charset="-120"/>
+                <a:ea typeface="微軟正黑體" pitchFamily="34" charset="-120"/>
+              </a:rPr>
+              <a:t>舉</a:t>
+            </a:r>
+            <a:r>
+              <a:rPr lang="zh-CN" altLang="en-US" sz="4800" b="1" dirty="0" smtClean="0">
+                <a:solidFill>
+                  <a:srgbClr val="000066"/>
+                </a:solidFill>
+                <a:latin typeface="微軟正黑體" pitchFamily="34" charset="-120"/>
+                <a:ea typeface="微軟正黑體" pitchFamily="34" charset="-120"/>
+              </a:rPr>
+              <a:t>袮</a:t>
+            </a:r>
+            <a:r>
+              <a:rPr lang="zh-TW" altLang="en-US" sz="4800" b="1" dirty="0" smtClean="0">
+                <a:solidFill>
+                  <a:srgbClr val="000066"/>
+                </a:solidFill>
+                <a:latin typeface="微軟正黑體" pitchFamily="34" charset="-120"/>
+                <a:ea typeface="微軟正黑體" pitchFamily="34" charset="-120"/>
+              </a:rPr>
+              <a:t>的</a:t>
+            </a:r>
+            <a:r>
+              <a:rPr lang="zh-TW" altLang="en-US" sz="4800" b="1" dirty="0" smtClean="0">
+                <a:solidFill>
+                  <a:srgbClr val="000066"/>
+                </a:solidFill>
+                <a:latin typeface="微軟正黑體" pitchFamily="34" charset="-120"/>
+                <a:ea typeface="微軟正黑體" pitchFamily="34" charset="-120"/>
+              </a:rPr>
+              <a:t>名</a:t>
             </a:r>
             <a:endParaRPr lang="en-US" sz="4800" b="1" dirty="0">
               <a:solidFill>
@@ -3140,7 +3180,7 @@
         <p:spPr>
           <a:xfrm>
             <a:off x="1524000" y="1524000"/>
-            <a:ext cx="9144000" cy="3962400"/>
+            <a:ext cx="9144000" cy="5334000"/>
           </a:xfrm>
         </p:spPr>
         <p:txBody>
@@ -3160,7 +3200,37 @@
                 <a:latin typeface="微軟正黑體" pitchFamily="34" charset="-120"/>
                 <a:ea typeface="微軟正黑體" pitchFamily="34" charset="-120"/>
               </a:rPr>
-              <a:t>主我高舉你的</a:t>
+              <a:t>主我高</a:t>
+            </a:r>
+            <a:r>
+              <a:rPr lang="zh-TW" altLang="en-US" sz="6000" b="1" dirty="0" smtClean="0">
+                <a:solidFill>
+                  <a:srgbClr val="000066"/>
+                </a:solidFill>
+                <a:latin typeface="微軟正黑體" pitchFamily="34" charset="-120"/>
+                <a:ea typeface="微軟正黑體" pitchFamily="34" charset="-120"/>
+              </a:rPr>
+              <a:t>舉</a:t>
+            </a:r>
+            <a:r>
+              <a:rPr lang="zh-CN" altLang="en-US" sz="6000" b="1" dirty="0">
+                <a:solidFill>
+                  <a:srgbClr val="000066"/>
+                </a:solidFill>
+                <a:latin typeface="微軟正黑體" pitchFamily="34" charset="-120"/>
+                <a:ea typeface="微軟正黑體" pitchFamily="34" charset="-120"/>
+              </a:rPr>
+              <a:t>袮</a:t>
+            </a:r>
+            <a:r>
+              <a:rPr lang="zh-TW" altLang="en-US" sz="6000" b="1" dirty="0" smtClean="0">
+                <a:solidFill>
+                  <a:srgbClr val="000066"/>
+                </a:solidFill>
+                <a:latin typeface="微軟正黑體" pitchFamily="34" charset="-120"/>
+                <a:ea typeface="微軟正黑體" pitchFamily="34" charset="-120"/>
+              </a:rPr>
+              <a:t>的</a:t>
             </a:r>
             <a:r>
               <a:rPr lang="zh-TW" altLang="en-US" sz="6000" b="1" dirty="0">
@@ -3192,27 +3262,27 @@
                 <a:latin typeface="微軟正黑體" pitchFamily="34" charset="-120"/>
                 <a:ea typeface="微軟正黑體" pitchFamily="34" charset="-120"/>
               </a:rPr>
-              <a:t>主</a:t>
-            </a:r>
-            <a:r>
-              <a:rPr lang="zh-TW" altLang="en-US" sz="6000" b="1" dirty="0">
-                <a:solidFill>
-                  <a:srgbClr val="000066"/>
-                </a:solidFill>
-                <a:latin typeface="微軟正黑體" pitchFamily="34" charset="-120"/>
-                <a:ea typeface="微軟正黑體" pitchFamily="34" charset="-120"/>
-              </a:rPr>
-              <a:t>我深愛稱頌</a:t>
-            </a:r>
-            <a:r>
-              <a:rPr lang="zh-TW" altLang="en-US" sz="6000" b="1" dirty="0">
-                <a:solidFill>
-                  <a:srgbClr val="000066"/>
-                </a:solidFill>
-                <a:latin typeface="微軟正黑體" pitchFamily="34" charset="-120"/>
-                <a:ea typeface="微軟正黑體" pitchFamily="34" charset="-120"/>
-              </a:rPr>
-              <a:t>你</a:t>
+              <a:t>主我深愛稱</a:t>
+            </a:r>
+            <a:r>
+              <a:rPr lang="zh-TW" altLang="en-US" sz="6000" b="1" dirty="0" smtClean="0">
+                <a:solidFill>
+                  <a:srgbClr val="000066"/>
+                </a:solidFill>
+                <a:latin typeface="微軟正黑體" pitchFamily="34" charset="-120"/>
+                <a:ea typeface="微軟正黑體" pitchFamily="34" charset="-120"/>
+              </a:rPr>
+              <a:t>頌</a:t>
+            </a:r>
+            <a:r>
+              <a:rPr lang="zh-CN" altLang="en-US" sz="6000" b="1" dirty="0">
+                <a:solidFill>
+                  <a:srgbClr val="000066"/>
+                </a:solidFill>
+                <a:latin typeface="微軟正黑體" pitchFamily="34" charset="-120"/>
+                <a:ea typeface="微軟正黑體" pitchFamily="34" charset="-120"/>
+              </a:rPr>
+              <a:t>袮</a:t>
             </a:r>
             <a:endParaRPr lang="en-US" altLang="zh-TW" sz="6000" b="1" dirty="0">
               <a:solidFill>
@@ -3234,17 +3304,37 @@
                 <a:latin typeface="微軟正黑體" pitchFamily="34" charset="-120"/>
                 <a:ea typeface="微軟正黑體" pitchFamily="34" charset="-120"/>
               </a:rPr>
-              <a:t>我</a:t>
-            </a:r>
-            <a:r>
-              <a:rPr lang="zh-TW" altLang="en-US" sz="6000" b="1" dirty="0">
-                <a:solidFill>
-                  <a:srgbClr val="000066"/>
-                </a:solidFill>
-                <a:latin typeface="微軟正黑體" pitchFamily="34" charset="-120"/>
-                <a:ea typeface="微軟正黑體" pitchFamily="34" charset="-120"/>
-              </a:rPr>
-              <a:t>甚欣慰你愛</a:t>
+              <a:t>我甚欣</a:t>
+            </a:r>
+            <a:r>
+              <a:rPr lang="zh-TW" altLang="en-US" sz="6000" b="1" dirty="0" smtClean="0">
+                <a:solidFill>
+                  <a:srgbClr val="000066"/>
+                </a:solidFill>
+                <a:latin typeface="微軟正黑體" pitchFamily="34" charset="-120"/>
+                <a:ea typeface="微軟正黑體" pitchFamily="34" charset="-120"/>
+              </a:rPr>
+              <a:t>慰</a:t>
+            </a:r>
+            <a:r>
+              <a:rPr lang="zh-CN" altLang="en-US" sz="6000" b="1" dirty="0">
+                <a:solidFill>
+                  <a:srgbClr val="000066"/>
+                </a:solidFill>
+                <a:latin typeface="微軟正黑體" pitchFamily="34" charset="-120"/>
+                <a:ea typeface="微軟正黑體" pitchFamily="34" charset="-120"/>
+              </a:rPr>
+              <a:t>袮</a:t>
+            </a:r>
+            <a:r>
+              <a:rPr lang="zh-TW" altLang="en-US" sz="6000" b="1" dirty="0" smtClean="0">
+                <a:solidFill>
+                  <a:srgbClr val="000066"/>
+                </a:solidFill>
+                <a:latin typeface="微軟正黑體" pitchFamily="34" charset="-120"/>
+                <a:ea typeface="微軟正黑體" pitchFamily="34" charset="-120"/>
+              </a:rPr>
+              <a:t>愛</a:t>
             </a:r>
             <a:r>
               <a:rPr lang="zh-TW" altLang="en-US" sz="6000" b="1" dirty="0">
@@ -3276,7 +3366,37 @@
                 <a:latin typeface="微軟正黑體" pitchFamily="34" charset="-120"/>
                 <a:ea typeface="微軟正黑體" pitchFamily="34" charset="-120"/>
               </a:rPr>
-              <a:t>我</a:t>
+              <a:t>我甚欣</a:t>
+            </a:r>
+            <a:r>
+              <a:rPr lang="zh-TW" altLang="en-US" sz="6000" b="1" dirty="0" smtClean="0">
+                <a:solidFill>
+                  <a:srgbClr val="000066"/>
+                </a:solidFill>
+                <a:latin typeface="微軟正黑體" pitchFamily="34" charset="-120"/>
+                <a:ea typeface="微軟正黑體" pitchFamily="34" charset="-120"/>
+              </a:rPr>
+              <a:t>慰</a:t>
+            </a:r>
+            <a:r>
+              <a:rPr lang="zh-CN" altLang="en-US" sz="6000" b="1" dirty="0">
+                <a:solidFill>
+                  <a:srgbClr val="000066"/>
+                </a:solidFill>
+                <a:latin typeface="微軟正黑體" pitchFamily="34" charset="-120"/>
+                <a:ea typeface="微軟正黑體" pitchFamily="34" charset="-120"/>
+              </a:rPr>
+              <a:t>袮</a:t>
+            </a:r>
+            <a:r>
+              <a:rPr lang="zh-TW" altLang="en-US" sz="6000" b="1" dirty="0" smtClean="0">
+                <a:solidFill>
+                  <a:srgbClr val="000066"/>
+                </a:solidFill>
+                <a:latin typeface="微軟正黑體" pitchFamily="34" charset="-120"/>
+                <a:ea typeface="微軟正黑體" pitchFamily="34" charset="-120"/>
+              </a:rPr>
+              <a:t>救</a:t>
             </a:r>
             <a:r>
               <a:rPr lang="zh-TW" altLang="en-US" sz="6000" b="1" dirty="0">
@@ -3286,17 +3406,7 @@
                 <a:latin typeface="微軟正黑體" pitchFamily="34" charset="-120"/>
                 <a:ea typeface="微軟正黑體" pitchFamily="34" charset="-120"/>
               </a:rPr>
-              <a:t>甚欣慰你救贖</a:t>
-            </a:r>
-            <a:r>
-              <a:rPr lang="zh-TW" altLang="en-US" sz="6000" b="1" dirty="0">
-                <a:solidFill>
-                  <a:srgbClr val="000066"/>
-                </a:solidFill>
-                <a:latin typeface="微軟正黑體" pitchFamily="34" charset="-120"/>
-                <a:ea typeface="微軟正黑體" pitchFamily="34" charset="-120"/>
-              </a:rPr>
-              <a:t>我</a:t>
+              <a:t>贖我</a:t>
             </a:r>
             <a:endParaRPr lang="en-US" sz="6000" b="1" dirty="0">
               <a:solidFill>
@@ -3401,6 +3511,26 @@
               <a:buNone/>
             </a:pPr>
             <a:r>
+              <a:rPr lang="zh-CN" altLang="en-US" sz="6000" b="1" dirty="0">
+                <a:solidFill>
+                  <a:srgbClr val="000066"/>
+                </a:solidFill>
+                <a:latin typeface="微軟正黑體" pitchFamily="34" charset="-120"/>
+                <a:ea typeface="微軟正黑體" pitchFamily="34" charset="-120"/>
+              </a:rPr>
+              <a:t>袮</a:t>
+            </a:r>
+            <a:r>
+              <a:rPr lang="zh-TW" altLang="en-US" sz="6000" b="1" dirty="0" smtClean="0">
+                <a:solidFill>
+                  <a:srgbClr val="000066"/>
+                </a:solidFill>
+                <a:latin typeface="微軟正黑體" pitchFamily="34" charset="-120"/>
+                <a:ea typeface="微軟正黑體" pitchFamily="34" charset="-120"/>
+              </a:rPr>
+              <a:t>從</a:t>
+            </a:r>
+            <a:r>
               <a:rPr lang="zh-TW" altLang="en-US" sz="6000" b="1" dirty="0">
                 <a:solidFill>
                   <a:srgbClr val="000066"/>
@@ -3408,7 +3538,7 @@
                 <a:latin typeface="微軟正黑體" pitchFamily="34" charset="-120"/>
                 <a:ea typeface="微軟正黑體" pitchFamily="34" charset="-120"/>
               </a:rPr>
-              <a:t>你從天上降世間  指引我路</a:t>
+              <a:t>天上降世間  指引我路</a:t>
             </a:r>
             <a:endParaRPr lang="en-US" altLang="zh-TW" sz="6000" b="1" dirty="0">
               <a:solidFill>
@@ -3452,7 +3582,87 @@
                 <a:latin typeface="微軟正黑體" pitchFamily="34" charset="-120"/>
                 <a:ea typeface="微軟正黑體" pitchFamily="34" charset="-120"/>
               </a:rPr>
-              <a:t>從十架到墳塋  從墳塋升回天</a:t>
+              <a:t>從十架到</a:t>
+            </a:r>
+            <a:r>
+              <a:rPr lang="zh-TW" altLang="en-US" sz="6000" b="1" dirty="0" smtClean="0">
+                <a:solidFill>
+                  <a:srgbClr val="000066"/>
+                </a:solidFill>
+                <a:latin typeface="微軟正黑體" pitchFamily="34" charset="-120"/>
+                <a:ea typeface="微軟正黑體" pitchFamily="34" charset="-120"/>
+              </a:rPr>
+              <a:t>墳</a:t>
+            </a:r>
+            <a:r>
+              <a:rPr lang="zh-CN" altLang="en-US" sz="6000" b="1" dirty="0" smtClean="0">
+                <a:solidFill>
+                  <a:srgbClr val="000066"/>
+                </a:solidFill>
+                <a:latin typeface="微軟正黑體" pitchFamily="34" charset="-120"/>
+                <a:ea typeface="微軟正黑體" pitchFamily="34" charset="-120"/>
+              </a:rPr>
+              <a:t>墓</a:t>
+            </a:r>
+            <a:r>
+              <a:rPr lang="zh-TW" altLang="en-US" sz="6000" b="1" dirty="0" smtClean="0">
+                <a:solidFill>
+                  <a:srgbClr val="000066"/>
+                </a:solidFill>
+                <a:latin typeface="微軟正黑體" pitchFamily="34" charset="-120"/>
+                <a:ea typeface="微軟正黑體" pitchFamily="34" charset="-120"/>
+              </a:rPr>
+              <a:t>  </a:t>
+            </a:r>
+            <a:r>
+              <a:rPr lang="zh-TW" altLang="en-US" sz="6000" b="1" dirty="0">
+                <a:solidFill>
+                  <a:srgbClr val="000066"/>
+                </a:solidFill>
+                <a:latin typeface="微軟正黑體" pitchFamily="34" charset="-120"/>
+                <a:ea typeface="微軟正黑體" pitchFamily="34" charset="-120"/>
+              </a:rPr>
+              <a:t>從</a:t>
+            </a:r>
+            <a:r>
+              <a:rPr lang="zh-TW" altLang="en-US" sz="6000" b="1" dirty="0" smtClean="0">
+                <a:solidFill>
+                  <a:srgbClr val="000066"/>
+                </a:solidFill>
+                <a:latin typeface="微軟正黑體" pitchFamily="34" charset="-120"/>
+                <a:ea typeface="微軟正黑體" pitchFamily="34" charset="-120"/>
+              </a:rPr>
+              <a:t>墳</a:t>
+            </a:r>
+            <a:r>
+              <a:rPr lang="zh-CN" altLang="en-US" sz="6000" b="1" dirty="0">
+                <a:solidFill>
+                  <a:srgbClr val="000066"/>
+                </a:solidFill>
+                <a:latin typeface="微軟正黑體" pitchFamily="34" charset="-120"/>
+                <a:ea typeface="微軟正黑體" pitchFamily="34" charset="-120"/>
+              </a:rPr>
+              <a:t>墓</a:t>
+            </a:r>
+            <a:r>
+              <a:rPr lang="zh-TW" altLang="en-US" sz="6000" b="1" dirty="0" smtClean="0">
+                <a:solidFill>
+                  <a:srgbClr val="000066"/>
+                </a:solidFill>
+                <a:latin typeface="微軟正黑體" pitchFamily="34" charset="-120"/>
+                <a:ea typeface="微軟正黑體" pitchFamily="34" charset="-120"/>
+              </a:rPr>
+              <a:t>升</a:t>
+            </a:r>
+            <a:r>
+              <a:rPr lang="zh-TW" altLang="en-US" sz="6000" b="1" dirty="0">
+                <a:solidFill>
+                  <a:srgbClr val="000066"/>
+                </a:solidFill>
+                <a:latin typeface="微軟正黑體" pitchFamily="34" charset="-120"/>
+                <a:ea typeface="微軟正黑體" pitchFamily="34" charset="-120"/>
+              </a:rPr>
+              <a:t>回天</a:t>
             </a:r>
             <a:endParaRPr lang="en-US" altLang="zh-TW" sz="6000" b="1" dirty="0">
               <a:solidFill>
@@ -3474,7 +3684,47 @@
                 <a:latin typeface="微軟正黑體" pitchFamily="34" charset="-120"/>
                 <a:ea typeface="微軟正黑體" pitchFamily="34" charset="-120"/>
               </a:rPr>
-              <a:t>主我高舉你的名</a:t>
+              <a:t>主我高</a:t>
+            </a:r>
+            <a:r>
+              <a:rPr lang="zh-TW" altLang="en-US" sz="6000" b="1" dirty="0" smtClean="0">
+                <a:solidFill>
+                  <a:srgbClr val="000066"/>
+                </a:solidFill>
+                <a:latin typeface="微軟正黑體" pitchFamily="34" charset="-120"/>
+                <a:ea typeface="微軟正黑體" pitchFamily="34" charset="-120"/>
+              </a:rPr>
+              <a:t>舉</a:t>
+            </a:r>
+            <a:r>
+              <a:rPr lang="zh-CN" altLang="en-US" sz="6000" b="1" dirty="0">
+                <a:solidFill>
+                  <a:srgbClr val="000066"/>
+                </a:solidFill>
+                <a:latin typeface="微軟正黑體" pitchFamily="34" charset="-120"/>
+                <a:ea typeface="微軟正黑體" pitchFamily="34" charset="-120"/>
+              </a:rPr>
+              <a:t>袮</a:t>
+            </a:r>
+            <a:r>
+              <a:rPr lang="zh-TW" altLang="en-US" sz="6000" b="1" dirty="0" smtClean="0">
+                <a:solidFill>
+                  <a:srgbClr val="000066"/>
+                </a:solidFill>
+                <a:latin typeface="微軟正黑體" pitchFamily="34" charset="-120"/>
+                <a:ea typeface="微軟正黑體" pitchFamily="34" charset="-120"/>
+              </a:rPr>
+              <a:t>的</a:t>
+            </a:r>
+            <a:r>
+              <a:rPr lang="zh-TW" altLang="en-US" sz="6000" b="1" dirty="0">
+                <a:solidFill>
+                  <a:srgbClr val="000066"/>
+                </a:solidFill>
+                <a:latin typeface="微軟正黑體" pitchFamily="34" charset="-120"/>
+                <a:ea typeface="微軟正黑體" pitchFamily="34" charset="-120"/>
+              </a:rPr>
+              <a:t>名</a:t>
             </a:r>
             <a:endParaRPr lang="en-US" sz="6000" b="1" dirty="0">
               <a:solidFill>

--- a/主我高舉你的名.pptx
+++ b/主我高舉你的名.pptx
@@ -5,8 +5,11 @@
     <p:sldMasterId id="2147483696" r:id="rId1"/>
   </p:sldMasterIdLst>
   <p:sldIdLst>
-    <p:sldId id="256" r:id="rId2"/>
-    <p:sldId id="257" r:id="rId3"/>
+    <p:sldId id="258" r:id="rId2"/>
+    <p:sldId id="259" r:id="rId3"/>
+    <p:sldId id="260" r:id="rId4"/>
+    <p:sldId id="261" r:id="rId5"/>
+    <p:sldId id="262" r:id="rId6"/>
   </p:sldIdLst>
   <p:sldSz cx="12192000" cy="6858000"/>
   <p:notesSz cx="6858000" cy="9144000"/>
@@ -306,7 +309,7 @@
             <a:fld id="{EEC551BE-2332-4372-852A-7F4471651BAB}" type="datetimeFigureOut">
               <a:rPr lang="en-US" smtClean="0"/>
               <a:pPr/>
-              <a:t>4/10/2020</a:t>
+              <a:t>2/26/2021</a:t>
             </a:fld>
             <a:endParaRPr lang="en-US"/>
           </a:p>
@@ -473,7 +476,7 @@
             <a:fld id="{EEC551BE-2332-4372-852A-7F4471651BAB}" type="datetimeFigureOut">
               <a:rPr lang="en-US" smtClean="0"/>
               <a:pPr/>
-              <a:t>4/10/2020</a:t>
+              <a:t>2/26/2021</a:t>
             </a:fld>
             <a:endParaRPr lang="en-US"/>
           </a:p>
@@ -650,7 +653,7 @@
             <a:fld id="{EEC551BE-2332-4372-852A-7F4471651BAB}" type="datetimeFigureOut">
               <a:rPr lang="en-US" smtClean="0"/>
               <a:pPr/>
-              <a:t>4/10/2020</a:t>
+              <a:t>2/26/2021</a:t>
             </a:fld>
             <a:endParaRPr lang="en-US"/>
           </a:p>
@@ -817,7 +820,7 @@
             <a:fld id="{EEC551BE-2332-4372-852A-7F4471651BAB}" type="datetimeFigureOut">
               <a:rPr lang="en-US" smtClean="0"/>
               <a:pPr/>
-              <a:t>4/10/2020</a:t>
+              <a:t>2/26/2021</a:t>
             </a:fld>
             <a:endParaRPr lang="en-US"/>
           </a:p>
@@ -1060,7 +1063,7 @@
             <a:fld id="{EEC551BE-2332-4372-852A-7F4471651BAB}" type="datetimeFigureOut">
               <a:rPr lang="en-US" smtClean="0"/>
               <a:pPr/>
-              <a:t>4/10/2020</a:t>
+              <a:t>2/26/2021</a:t>
             </a:fld>
             <a:endParaRPr lang="en-US"/>
           </a:p>
@@ -1345,7 +1348,7 @@
             <a:fld id="{EEC551BE-2332-4372-852A-7F4471651BAB}" type="datetimeFigureOut">
               <a:rPr lang="en-US" smtClean="0"/>
               <a:pPr/>
-              <a:t>4/10/2020</a:t>
+              <a:t>2/26/2021</a:t>
             </a:fld>
             <a:endParaRPr lang="en-US"/>
           </a:p>
@@ -1764,7 +1767,7 @@
             <a:fld id="{EEC551BE-2332-4372-852A-7F4471651BAB}" type="datetimeFigureOut">
               <a:rPr lang="en-US" smtClean="0"/>
               <a:pPr/>
-              <a:t>4/10/2020</a:t>
+              <a:t>2/26/2021</a:t>
             </a:fld>
             <a:endParaRPr lang="en-US"/>
           </a:p>
@@ -1879,7 +1882,7 @@
             <a:fld id="{EEC551BE-2332-4372-852A-7F4471651BAB}" type="datetimeFigureOut">
               <a:rPr lang="en-US" smtClean="0"/>
               <a:pPr/>
-              <a:t>4/10/2020</a:t>
+              <a:t>2/26/2021</a:t>
             </a:fld>
             <a:endParaRPr lang="en-US"/>
           </a:p>
@@ -1971,7 +1974,7 @@
             <a:fld id="{EEC551BE-2332-4372-852A-7F4471651BAB}" type="datetimeFigureOut">
               <a:rPr lang="en-US" smtClean="0"/>
               <a:pPr/>
-              <a:t>4/10/2020</a:t>
+              <a:t>2/26/2021</a:t>
             </a:fld>
             <a:endParaRPr lang="en-US"/>
           </a:p>
@@ -2245,7 +2248,7 @@
             <a:fld id="{EEC551BE-2332-4372-852A-7F4471651BAB}" type="datetimeFigureOut">
               <a:rPr lang="en-US" smtClean="0"/>
               <a:pPr/>
-              <a:t>4/10/2020</a:t>
+              <a:t>2/26/2021</a:t>
             </a:fld>
             <a:endParaRPr lang="en-US"/>
           </a:p>
@@ -2499,7 +2502,7 @@
             <a:fld id="{EEC551BE-2332-4372-852A-7F4471651BAB}" type="datetimeFigureOut">
               <a:rPr lang="en-US" smtClean="0"/>
               <a:pPr/>
-              <a:t>4/10/2020</a:t>
+              <a:t>2/26/2021</a:t>
             </a:fld>
             <a:endParaRPr lang="en-US"/>
           </a:p>
@@ -2714,7 +2717,7 @@
             <a:fld id="{EEC551BE-2332-4372-852A-7F4471651BAB}" type="datetimeFigureOut">
               <a:rPr lang="en-US" smtClean="0"/>
               <a:pPr/>
-              <a:t>4/10/2020</a:t>
+              <a:t>2/26/2021</a:t>
             </a:fld>
             <a:endParaRPr lang="en-US"/>
           </a:p>
@@ -3087,7 +3090,7 @@
       </p:grpSpPr>
       <p:sp>
         <p:nvSpPr>
-          <p:cNvPr id="4" name="Title 3"/>
+          <p:cNvPr id="4" name="標題 3"/>
           <p:cNvSpPr>
             <a:spLocks noGrp="1"/>
           </p:cNvSpPr>
@@ -3097,328 +3100,93 @@
         </p:nvSpPr>
         <p:spPr>
           <a:xfrm>
-            <a:off x="1981200" y="0"/>
-            <a:ext cx="8229600" cy="1524000"/>
+            <a:off x="0" y="2857513"/>
+            <a:ext cx="12192000" cy="1143000"/>
           </a:xfrm>
         </p:spPr>
         <p:txBody>
           <a:bodyPr>
-            <a:normAutofit/>
+            <a:noAutofit/>
           </a:bodyPr>
           <a:lstStyle/>
           <a:p>
             <a:r>
-              <a:rPr lang="zh-TW" altLang="en-US" sz="4800" b="1" dirty="0" smtClean="0">
-                <a:solidFill>
-                  <a:srgbClr val="000066"/>
-                </a:solidFill>
+              <a:rPr lang="zh-TW" altLang="en-US" sz="7200" b="1" i="1" dirty="0">
+                <a:solidFill>
+                  <a:srgbClr val="660033"/>
+                </a:solidFill>
+                <a:effectLst>
+                  <a:outerShdw blurRad="38100" dist="38100" dir="2700000" algn="tl">
+                    <a:srgbClr val="000000">
+                      <a:alpha val="43137"/>
+                    </a:srgbClr>
+                  </a:outerShdw>
+                </a:effectLst>
                 <a:latin typeface="微軟正黑體" pitchFamily="34" charset="-120"/>
                 <a:ea typeface="微軟正黑體" pitchFamily="34" charset="-120"/>
               </a:rPr>
-              <a:t>主我高</a:t>
-            </a:r>
-            <a:r>
-              <a:rPr lang="zh-TW" altLang="en-US" sz="4800" b="1" dirty="0" smtClean="0">
-                <a:solidFill>
-                  <a:srgbClr val="000066"/>
-                </a:solidFill>
+              <a:t>主</a:t>
+            </a:r>
+            <a:r>
+              <a:rPr lang="zh-TW" altLang="en-US" sz="7200" b="1" i="1" dirty="0">
+                <a:solidFill>
+                  <a:srgbClr val="660033"/>
+                </a:solidFill>
+                <a:effectLst>
+                  <a:outerShdw blurRad="38100" dist="38100" dir="2700000" algn="tl">
+                    <a:srgbClr val="000000">
+                      <a:alpha val="43137"/>
+                    </a:srgbClr>
+                  </a:outerShdw>
+                </a:effectLst>
                 <a:latin typeface="微軟正黑體" pitchFamily="34" charset="-120"/>
                 <a:ea typeface="微軟正黑體" pitchFamily="34" charset="-120"/>
               </a:rPr>
-              <a:t>舉</a:t>
-            </a:r>
-            <a:r>
-              <a:rPr lang="zh-CN" altLang="en-US" sz="4800" b="1" dirty="0" smtClean="0">
-                <a:solidFill>
-                  <a:srgbClr val="000066"/>
-                </a:solidFill>
+              <a:t>我高舉</a:t>
+            </a:r>
+            <a:r>
+              <a:rPr lang="zh-CN" altLang="en-US" sz="7200" b="1" i="1" dirty="0">
+                <a:solidFill>
+                  <a:srgbClr val="660033"/>
+                </a:solidFill>
+                <a:effectLst>
+                  <a:outerShdw blurRad="38100" dist="38100" dir="2700000" algn="tl">
+                    <a:srgbClr val="000000">
+                      <a:alpha val="43137"/>
+                    </a:srgbClr>
+                  </a:outerShdw>
+                </a:effectLst>
                 <a:latin typeface="微軟正黑體" pitchFamily="34" charset="-120"/>
                 <a:ea typeface="微軟正黑體" pitchFamily="34" charset="-120"/>
               </a:rPr>
               <a:t>袮</a:t>
             </a:r>
             <a:r>
-              <a:rPr lang="zh-TW" altLang="en-US" sz="4800" b="1" dirty="0" smtClean="0">
-                <a:solidFill>
-                  <a:srgbClr val="000066"/>
-                </a:solidFill>
+              <a:rPr lang="zh-TW" altLang="en-US" sz="7200" b="1" i="1" dirty="0">
+                <a:solidFill>
+                  <a:srgbClr val="660033"/>
+                </a:solidFill>
+                <a:effectLst>
+                  <a:outerShdw blurRad="38100" dist="38100" dir="2700000" algn="tl">
+                    <a:srgbClr val="000000">
+                      <a:alpha val="43137"/>
+                    </a:srgbClr>
+                  </a:outerShdw>
+                </a:effectLst>
                 <a:latin typeface="微軟正黑體" pitchFamily="34" charset="-120"/>
                 <a:ea typeface="微軟正黑體" pitchFamily="34" charset="-120"/>
               </a:rPr>
-              <a:t>的</a:t>
-            </a:r>
-            <a:r>
-              <a:rPr lang="zh-TW" altLang="en-US" sz="4800" b="1" dirty="0" smtClean="0">
-                <a:solidFill>
-                  <a:srgbClr val="000066"/>
-                </a:solidFill>
-                <a:latin typeface="微軟正黑體" pitchFamily="34" charset="-120"/>
-                <a:ea typeface="微軟正黑體" pitchFamily="34" charset="-120"/>
-              </a:rPr>
-              <a:t>名</a:t>
-            </a:r>
-            <a:endParaRPr lang="en-US" sz="4800" b="1" dirty="0">
-              <a:solidFill>
-                <a:srgbClr val="000066"/>
-              </a:solidFill>
-              <a:latin typeface="微軟正黑體" pitchFamily="34" charset="-120"/>
-              <a:ea typeface="微軟正黑體" pitchFamily="34" charset="-120"/>
-            </a:endParaRPr>
-          </a:p>
-        </p:txBody>
-      </p:sp>
-      <p:sp>
-        <p:nvSpPr>
-          <p:cNvPr id="5" name="Content Placeholder 4"/>
-          <p:cNvSpPr>
-            <a:spLocks noGrp="1"/>
-          </p:cNvSpPr>
-          <p:nvPr>
-            <p:ph idx="1"/>
-          </p:nvPr>
-        </p:nvSpPr>
-        <p:spPr>
-          <a:xfrm>
-            <a:off x="1524000" y="1524000"/>
-            <a:ext cx="9144000" cy="5334000"/>
-          </a:xfrm>
-        </p:spPr>
-        <p:txBody>
-          <a:bodyPr>
-            <a:noAutofit/>
-          </a:bodyPr>
-          <a:lstStyle/>
-          <a:p>
-            <a:pPr algn="ctr">
-              <a:buNone/>
-            </a:pPr>
-            <a:r>
-              <a:rPr lang="zh-TW" altLang="en-US" sz="6000" b="1" dirty="0">
-                <a:solidFill>
-                  <a:srgbClr val="000066"/>
-                </a:solidFill>
-                <a:latin typeface="微軟正黑體" pitchFamily="34" charset="-120"/>
-                <a:ea typeface="微軟正黑體" pitchFamily="34" charset="-120"/>
-              </a:rPr>
-              <a:t>主我高</a:t>
-            </a:r>
-            <a:r>
-              <a:rPr lang="zh-TW" altLang="en-US" sz="6000" b="1" dirty="0" smtClean="0">
-                <a:solidFill>
-                  <a:srgbClr val="000066"/>
-                </a:solidFill>
-                <a:latin typeface="微軟正黑體" pitchFamily="34" charset="-120"/>
-                <a:ea typeface="微軟正黑體" pitchFamily="34" charset="-120"/>
-              </a:rPr>
-              <a:t>舉</a:t>
-            </a:r>
-            <a:r>
-              <a:rPr lang="zh-CN" altLang="en-US" sz="6000" b="1" dirty="0">
-                <a:solidFill>
-                  <a:srgbClr val="000066"/>
-                </a:solidFill>
-                <a:latin typeface="微軟正黑體" pitchFamily="34" charset="-120"/>
-                <a:ea typeface="微軟正黑體" pitchFamily="34" charset="-120"/>
-              </a:rPr>
-              <a:t>袮</a:t>
-            </a:r>
-            <a:r>
-              <a:rPr lang="zh-TW" altLang="en-US" sz="6000" b="1" dirty="0" smtClean="0">
-                <a:solidFill>
-                  <a:srgbClr val="000066"/>
-                </a:solidFill>
-                <a:latin typeface="微軟正黑體" pitchFamily="34" charset="-120"/>
-                <a:ea typeface="微軟正黑體" pitchFamily="34" charset="-120"/>
-              </a:rPr>
-              <a:t>的</a:t>
-            </a:r>
-            <a:r>
-              <a:rPr lang="zh-TW" altLang="en-US" sz="6000" b="1" dirty="0">
-                <a:solidFill>
-                  <a:srgbClr val="000066"/>
-                </a:solidFill>
-                <a:latin typeface="微軟正黑體" pitchFamily="34" charset="-120"/>
-                <a:ea typeface="微軟正黑體" pitchFamily="34" charset="-120"/>
-              </a:rPr>
-              <a:t>名</a:t>
-            </a:r>
-            <a:endParaRPr lang="en-US" altLang="zh-TW" sz="6000" b="1" dirty="0">
-              <a:solidFill>
-                <a:srgbClr val="000066"/>
-              </a:solidFill>
-              <a:latin typeface="微軟正黑體" pitchFamily="34" charset="-120"/>
-              <a:ea typeface="微軟正黑體" pitchFamily="34" charset="-120"/>
-            </a:endParaRPr>
-          </a:p>
-          <a:p>
-            <a:pPr algn="ctr">
-              <a:buNone/>
-            </a:pPr>
-            <a:r>
-              <a:rPr lang="zh-TW" altLang="en-US" sz="6000" b="1" dirty="0">
-                <a:solidFill>
-                  <a:srgbClr val="000066"/>
-                </a:solidFill>
-                <a:latin typeface="微軟正黑體" pitchFamily="34" charset="-120"/>
-                <a:ea typeface="微軟正黑體" pitchFamily="34" charset="-120"/>
-              </a:rPr>
-              <a:t>主我深愛稱</a:t>
-            </a:r>
-            <a:r>
-              <a:rPr lang="zh-TW" altLang="en-US" sz="6000" b="1" dirty="0" smtClean="0">
-                <a:solidFill>
-                  <a:srgbClr val="000066"/>
-                </a:solidFill>
-                <a:latin typeface="微軟正黑體" pitchFamily="34" charset="-120"/>
-                <a:ea typeface="微軟正黑體" pitchFamily="34" charset="-120"/>
-              </a:rPr>
-              <a:t>頌</a:t>
-            </a:r>
-            <a:r>
-              <a:rPr lang="zh-CN" altLang="en-US" sz="6000" b="1" dirty="0">
-                <a:solidFill>
-                  <a:srgbClr val="000066"/>
-                </a:solidFill>
-                <a:latin typeface="微軟正黑體" pitchFamily="34" charset="-120"/>
-                <a:ea typeface="微軟正黑體" pitchFamily="34" charset="-120"/>
-              </a:rPr>
-              <a:t>袮</a:t>
-            </a:r>
-            <a:endParaRPr lang="en-US" altLang="zh-TW" sz="6000" b="1" dirty="0">
-              <a:solidFill>
-                <a:srgbClr val="000066"/>
-              </a:solidFill>
-              <a:latin typeface="微軟正黑體" pitchFamily="34" charset="-120"/>
-              <a:ea typeface="微軟正黑體" pitchFamily="34" charset="-120"/>
-            </a:endParaRPr>
-          </a:p>
-          <a:p>
-            <a:pPr algn="ctr">
-              <a:buNone/>
-            </a:pPr>
-            <a:r>
-              <a:rPr lang="zh-TW" altLang="en-US" sz="6000" b="1" dirty="0">
-                <a:solidFill>
-                  <a:srgbClr val="000066"/>
-                </a:solidFill>
-                <a:latin typeface="微軟正黑體" pitchFamily="34" charset="-120"/>
-                <a:ea typeface="微軟正黑體" pitchFamily="34" charset="-120"/>
-              </a:rPr>
-              <a:t>我甚欣</a:t>
-            </a:r>
-            <a:r>
-              <a:rPr lang="zh-TW" altLang="en-US" sz="6000" b="1" dirty="0" smtClean="0">
-                <a:solidFill>
-                  <a:srgbClr val="000066"/>
-                </a:solidFill>
-                <a:latin typeface="微軟正黑體" pitchFamily="34" charset="-120"/>
-                <a:ea typeface="微軟正黑體" pitchFamily="34" charset="-120"/>
-              </a:rPr>
-              <a:t>慰</a:t>
-            </a:r>
-            <a:r>
-              <a:rPr lang="zh-CN" altLang="en-US" sz="6000" b="1" dirty="0">
-                <a:solidFill>
-                  <a:srgbClr val="000066"/>
-                </a:solidFill>
-                <a:latin typeface="微軟正黑體" pitchFamily="34" charset="-120"/>
-                <a:ea typeface="微軟正黑體" pitchFamily="34" charset="-120"/>
-              </a:rPr>
-              <a:t>袮</a:t>
-            </a:r>
-            <a:r>
-              <a:rPr lang="zh-TW" altLang="en-US" sz="6000" b="1" dirty="0" smtClean="0">
-                <a:solidFill>
-                  <a:srgbClr val="000066"/>
-                </a:solidFill>
-                <a:latin typeface="微軟正黑體" pitchFamily="34" charset="-120"/>
-                <a:ea typeface="微軟正黑體" pitchFamily="34" charset="-120"/>
-              </a:rPr>
-              <a:t>愛</a:t>
-            </a:r>
-            <a:r>
-              <a:rPr lang="zh-TW" altLang="en-US" sz="6000" b="1" dirty="0">
-                <a:solidFill>
-                  <a:srgbClr val="000066"/>
-                </a:solidFill>
-                <a:latin typeface="微軟正黑體" pitchFamily="34" charset="-120"/>
-                <a:ea typeface="微軟正黑體" pitchFamily="34" charset="-120"/>
-              </a:rPr>
-              <a:t>我</a:t>
-            </a:r>
-            <a:endParaRPr lang="en-US" altLang="zh-TW" sz="6000" b="1" dirty="0">
-              <a:solidFill>
-                <a:srgbClr val="000066"/>
-              </a:solidFill>
-              <a:latin typeface="微軟正黑體" pitchFamily="34" charset="-120"/>
-              <a:ea typeface="微軟正黑體" pitchFamily="34" charset="-120"/>
-            </a:endParaRPr>
-          </a:p>
-          <a:p>
-            <a:pPr algn="ctr">
-              <a:buNone/>
-            </a:pPr>
-            <a:r>
-              <a:rPr lang="zh-TW" altLang="en-US" sz="6000" b="1" dirty="0">
-                <a:solidFill>
-                  <a:srgbClr val="000066"/>
-                </a:solidFill>
-                <a:latin typeface="微軟正黑體" pitchFamily="34" charset="-120"/>
-                <a:ea typeface="微軟正黑體" pitchFamily="34" charset="-120"/>
-              </a:rPr>
-              <a:t>我甚欣</a:t>
-            </a:r>
-            <a:r>
-              <a:rPr lang="zh-TW" altLang="en-US" sz="6000" b="1" dirty="0" smtClean="0">
-                <a:solidFill>
-                  <a:srgbClr val="000066"/>
-                </a:solidFill>
-                <a:latin typeface="微軟正黑體" pitchFamily="34" charset="-120"/>
-                <a:ea typeface="微軟正黑體" pitchFamily="34" charset="-120"/>
-              </a:rPr>
-              <a:t>慰</a:t>
-            </a:r>
-            <a:r>
-              <a:rPr lang="zh-CN" altLang="en-US" sz="6000" b="1" dirty="0">
-                <a:solidFill>
-                  <a:srgbClr val="000066"/>
-                </a:solidFill>
-                <a:latin typeface="微軟正黑體" pitchFamily="34" charset="-120"/>
-                <a:ea typeface="微軟正黑體" pitchFamily="34" charset="-120"/>
-              </a:rPr>
-              <a:t>袮</a:t>
-            </a:r>
-            <a:r>
-              <a:rPr lang="zh-TW" altLang="en-US" sz="6000" b="1" dirty="0" smtClean="0">
-                <a:solidFill>
-                  <a:srgbClr val="000066"/>
-                </a:solidFill>
-                <a:latin typeface="微軟正黑體" pitchFamily="34" charset="-120"/>
-                <a:ea typeface="微軟正黑體" pitchFamily="34" charset="-120"/>
-              </a:rPr>
-              <a:t>救</a:t>
-            </a:r>
-            <a:r>
-              <a:rPr lang="zh-TW" altLang="en-US" sz="6000" b="1" dirty="0">
-                <a:solidFill>
-                  <a:srgbClr val="000066"/>
-                </a:solidFill>
-                <a:latin typeface="微軟正黑體" pitchFamily="34" charset="-120"/>
-                <a:ea typeface="微軟正黑體" pitchFamily="34" charset="-120"/>
-              </a:rPr>
-              <a:t>贖我</a:t>
-            </a:r>
-            <a:endParaRPr lang="en-US" sz="6000" b="1" dirty="0">
-              <a:solidFill>
-                <a:srgbClr val="000066"/>
-              </a:solidFill>
-              <a:latin typeface="微軟正黑體" pitchFamily="34" charset="-120"/>
-              <a:ea typeface="微軟正黑體" pitchFamily="34" charset="-120"/>
-            </a:endParaRPr>
+              <a:t>的名</a:t>
+            </a:r>
           </a:p>
         </p:txBody>
       </p:sp>
     </p:spTree>
+    <p:extLst>
+      <p:ext uri="{BB962C8B-B14F-4D97-AF65-F5344CB8AC3E}">
+        <p14:creationId xmlns:p14="http://schemas.microsoft.com/office/powerpoint/2010/main" val="1946522256"/>
+      </p:ext>
+    </p:extLst>
   </p:cSld>
   <p:clrMapOvr>
     <a:masterClrMapping/>
@@ -3445,159 +3213,414 @@
       </p:grpSpPr>
       <p:sp>
         <p:nvSpPr>
-          <p:cNvPr id="4" name="Title 3"/>
-          <p:cNvSpPr>
-            <a:spLocks noGrp="1"/>
-          </p:cNvSpPr>
-          <p:nvPr>
-            <p:ph type="title"/>
+          <p:cNvPr id="5" name="內容版面配置區 4"/>
+          <p:cNvSpPr>
+            <a:spLocks noGrp="1"/>
+          </p:cNvSpPr>
+          <p:nvPr>
+            <p:ph idx="1"/>
           </p:nvPr>
         </p:nvSpPr>
         <p:spPr>
           <a:xfrm>
-            <a:off x="1981200" y="0"/>
-            <a:ext cx="8229600" cy="1524000"/>
+            <a:off x="0" y="2084853"/>
+            <a:ext cx="12192000" cy="2404863"/>
           </a:xfrm>
         </p:spPr>
         <p:txBody>
-          <a:bodyPr>
+          <a:bodyPr anchor="ctr">
             <a:normAutofit/>
           </a:bodyPr>
           <a:lstStyle/>
           <a:p>
-            <a:r>
-              <a:rPr lang="zh-TW" altLang="en-US" sz="4800" b="1" dirty="0" smtClean="0">
-                <a:solidFill>
-                  <a:srgbClr val="000066"/>
+            <a:pPr algn="ctr">
+              <a:buNone/>
+            </a:pPr>
+            <a:r>
+              <a:rPr lang="zh-TW" altLang="en-US" sz="6400" b="1" dirty="0">
+                <a:solidFill>
+                  <a:srgbClr val="660033"/>
                 </a:solidFill>
                 <a:latin typeface="微軟正黑體" pitchFamily="34" charset="-120"/>
                 <a:ea typeface="微軟正黑體" pitchFamily="34" charset="-120"/>
               </a:rPr>
-              <a:t>主我高舉你的名</a:t>
-            </a:r>
-            <a:endParaRPr lang="en-US" sz="4800" b="1" dirty="0">
+              <a:t>主我高舉</a:t>
+            </a:r>
+            <a:r>
+              <a:rPr lang="zh-CN" altLang="en-US" sz="6400" b="1" dirty="0">
+                <a:solidFill>
+                  <a:srgbClr val="660033"/>
+                </a:solidFill>
+                <a:latin typeface="微軟正黑體" pitchFamily="34" charset="-120"/>
+                <a:ea typeface="微軟正黑體" pitchFamily="34" charset="-120"/>
+              </a:rPr>
+              <a:t>袮</a:t>
+            </a:r>
+            <a:r>
+              <a:rPr lang="zh-TW" altLang="en-US" sz="6400" b="1" dirty="0">
+                <a:solidFill>
+                  <a:srgbClr val="660033"/>
+                </a:solidFill>
+                <a:latin typeface="微軟正黑體" pitchFamily="34" charset="-120"/>
+                <a:ea typeface="微軟正黑體" pitchFamily="34" charset="-120"/>
+              </a:rPr>
+              <a:t>的名</a:t>
+            </a:r>
+            <a:endParaRPr lang="en-US" altLang="zh-TW" sz="6400" b="1" dirty="0">
               <a:solidFill>
-                <a:srgbClr val="000066"/>
+                <a:srgbClr val="660033"/>
               </a:solidFill>
               <a:latin typeface="微軟正黑體" pitchFamily="34" charset="-120"/>
               <a:ea typeface="微軟正黑體" pitchFamily="34" charset="-120"/>
             </a:endParaRPr>
           </a:p>
-        </p:txBody>
-      </p:sp>
-      <p:sp>
-        <p:nvSpPr>
-          <p:cNvPr id="5" name="Content Placeholder 4"/>
-          <p:cNvSpPr>
-            <a:spLocks noGrp="1"/>
-          </p:cNvSpPr>
-          <p:nvPr>
-            <p:ph idx="1"/>
-          </p:nvPr>
-        </p:nvSpPr>
-        <p:spPr>
-          <a:xfrm>
-            <a:off x="0" y="1524000"/>
-            <a:ext cx="12192000" cy="3962400"/>
-          </a:xfrm>
-        </p:spPr>
-        <p:txBody>
-          <a:bodyPr>
-            <a:noAutofit/>
-          </a:bodyPr>
-          <a:lstStyle/>
           <a:p>
             <a:pPr algn="ctr">
               <a:buNone/>
             </a:pPr>
             <a:r>
-              <a:rPr lang="zh-CN" altLang="en-US" sz="6000" b="1" dirty="0">
-                <a:solidFill>
-                  <a:srgbClr val="000066"/>
+              <a:rPr lang="zh-TW" altLang="en-US" sz="6400" b="1" dirty="0">
+                <a:solidFill>
+                  <a:srgbClr val="660033"/>
+                </a:solidFill>
+                <a:latin typeface="微軟正黑體" pitchFamily="34" charset="-120"/>
+                <a:ea typeface="微軟正黑體" pitchFamily="34" charset="-120"/>
+              </a:rPr>
+              <a:t>主我深愛稱頌</a:t>
+            </a:r>
+            <a:r>
+              <a:rPr lang="zh-CN" altLang="en-US" sz="6400" b="1" dirty="0">
+                <a:solidFill>
+                  <a:srgbClr val="660033"/>
                 </a:solidFill>
                 <a:latin typeface="微軟正黑體" pitchFamily="34" charset="-120"/>
                 <a:ea typeface="微軟正黑體" pitchFamily="34" charset="-120"/>
               </a:rPr>
               <a:t>袮</a:t>
             </a:r>
-            <a:r>
-              <a:rPr lang="zh-TW" altLang="en-US" sz="6000" b="1" dirty="0" smtClean="0">
-                <a:solidFill>
-                  <a:srgbClr val="000066"/>
-                </a:solidFill>
-                <a:latin typeface="微軟正黑體" pitchFamily="34" charset="-120"/>
-                <a:ea typeface="微軟正黑體" pitchFamily="34" charset="-120"/>
-              </a:rPr>
-              <a:t>從</a:t>
-            </a:r>
-            <a:r>
-              <a:rPr lang="zh-TW" altLang="en-US" sz="6000" b="1" dirty="0">
-                <a:solidFill>
-                  <a:srgbClr val="000066"/>
-                </a:solidFill>
-                <a:latin typeface="微軟正黑體" pitchFamily="34" charset="-120"/>
-                <a:ea typeface="微軟正黑體" pitchFamily="34" charset="-120"/>
-              </a:rPr>
-              <a:t>天上降世間  指引我路</a:t>
-            </a:r>
-            <a:endParaRPr lang="en-US" altLang="zh-TW" sz="6000" b="1" dirty="0">
+            <a:endParaRPr lang="en-US" altLang="zh-TW" sz="6400" b="1" dirty="0">
               <a:solidFill>
-                <a:srgbClr val="000066"/>
+                <a:srgbClr val="660033"/>
               </a:solidFill>
               <a:latin typeface="微軟正黑體" pitchFamily="34" charset="-120"/>
               <a:ea typeface="微軟正黑體" pitchFamily="34" charset="-120"/>
             </a:endParaRPr>
           </a:p>
+        </p:txBody>
+      </p:sp>
+    </p:spTree>
+    <p:extLst>
+      <p:ext uri="{BB962C8B-B14F-4D97-AF65-F5344CB8AC3E}">
+        <p14:creationId xmlns:p14="http://schemas.microsoft.com/office/powerpoint/2010/main" val="4179012435"/>
+      </p:ext>
+    </p:extLst>
+  </p:cSld>
+  <p:clrMapOvr>
+    <a:masterClrMapping/>
+  </p:clrMapOvr>
+</p:sld>
+</file>
+
+<file path=ppt/slides/slide3.xml><?xml version="1.0" encoding="utf-8"?>
+<p:sld xmlns:a="http://schemas.openxmlformats.org/drawingml/2006/main" xmlns:r="http://schemas.openxmlformats.org/officeDocument/2006/relationships" xmlns:p="http://schemas.openxmlformats.org/presentationml/2006/main">
+  <p:cSld>
+    <p:spTree>
+      <p:nvGrpSpPr>
+        <p:cNvPr id="1" name=""/>
+        <p:cNvGrpSpPr/>
+        <p:nvPr/>
+      </p:nvGrpSpPr>
+      <p:grpSpPr>
+        <a:xfrm>
+          <a:off x="0" y="0"/>
+          <a:ext cx="0" cy="0"/>
+          <a:chOff x="0" y="0"/>
+          <a:chExt cx="0" cy="0"/>
+        </a:xfrm>
+      </p:grpSpPr>
+      <p:sp>
+        <p:nvSpPr>
+          <p:cNvPr id="5" name="內容版面配置區 4"/>
+          <p:cNvSpPr>
+            <a:spLocks noGrp="1"/>
+          </p:cNvSpPr>
+          <p:nvPr>
+            <p:ph idx="1"/>
+          </p:nvPr>
+        </p:nvSpPr>
+        <p:spPr>
+          <a:xfrm>
+            <a:off x="0" y="2084853"/>
+            <a:ext cx="12192000" cy="2404863"/>
+          </a:xfrm>
+        </p:spPr>
+        <p:txBody>
+          <a:bodyPr anchor="ctr">
+            <a:normAutofit/>
+          </a:bodyPr>
+          <a:lstStyle/>
           <a:p>
             <a:pPr algn="ctr">
               <a:buNone/>
             </a:pPr>
             <a:r>
-              <a:rPr lang="zh-TW" altLang="en-US" sz="6000" b="1" dirty="0">
-                <a:solidFill>
-                  <a:srgbClr val="000066"/>
+              <a:rPr lang="zh-TW" altLang="en-US" sz="6400" b="1" dirty="0">
+                <a:solidFill>
+                  <a:srgbClr val="660033"/>
+                </a:solidFill>
+                <a:latin typeface="微軟正黑體" pitchFamily="34" charset="-120"/>
+                <a:ea typeface="微軟正黑體" pitchFamily="34" charset="-120"/>
+              </a:rPr>
+              <a:t>我甚欣慰</a:t>
+            </a:r>
+            <a:r>
+              <a:rPr lang="zh-CN" altLang="en-US" sz="6400" b="1" dirty="0">
+                <a:solidFill>
+                  <a:srgbClr val="660033"/>
+                </a:solidFill>
+                <a:latin typeface="微軟正黑體" pitchFamily="34" charset="-120"/>
+                <a:ea typeface="微軟正黑體" pitchFamily="34" charset="-120"/>
+              </a:rPr>
+              <a:t>袮</a:t>
+            </a:r>
+            <a:r>
+              <a:rPr lang="zh-TW" altLang="en-US" sz="6400" b="1" dirty="0">
+                <a:solidFill>
+                  <a:srgbClr val="660033"/>
+                </a:solidFill>
+                <a:latin typeface="微軟正黑體" pitchFamily="34" charset="-120"/>
+                <a:ea typeface="微軟正黑體" pitchFamily="34" charset="-120"/>
+              </a:rPr>
+              <a:t>愛我</a:t>
+            </a:r>
+            <a:endParaRPr lang="en-US" altLang="zh-TW" sz="6400" b="1" dirty="0">
+              <a:solidFill>
+                <a:srgbClr val="660033"/>
+              </a:solidFill>
+              <a:latin typeface="微軟正黑體" pitchFamily="34" charset="-120"/>
+              <a:ea typeface="微軟正黑體" pitchFamily="34" charset="-120"/>
+            </a:endParaRPr>
+          </a:p>
+          <a:p>
+            <a:pPr algn="ctr">
+              <a:buNone/>
+            </a:pPr>
+            <a:r>
+              <a:rPr lang="zh-TW" altLang="en-US" sz="6400" b="1" dirty="0">
+                <a:solidFill>
+                  <a:srgbClr val="660033"/>
+                </a:solidFill>
+                <a:latin typeface="微軟正黑體" pitchFamily="34" charset="-120"/>
+                <a:ea typeface="微軟正黑體" pitchFamily="34" charset="-120"/>
+              </a:rPr>
+              <a:t>我甚欣慰</a:t>
+            </a:r>
+            <a:r>
+              <a:rPr lang="zh-CN" altLang="en-US" sz="6400" b="1" dirty="0">
+                <a:solidFill>
+                  <a:srgbClr val="660033"/>
+                </a:solidFill>
+                <a:latin typeface="微軟正黑體" pitchFamily="34" charset="-120"/>
+                <a:ea typeface="微軟正黑體" pitchFamily="34" charset="-120"/>
+              </a:rPr>
+              <a:t>袮</a:t>
+            </a:r>
+            <a:r>
+              <a:rPr lang="zh-TW" altLang="en-US" sz="6400" b="1" dirty="0">
+                <a:solidFill>
+                  <a:srgbClr val="660033"/>
+                </a:solidFill>
+                <a:latin typeface="微軟正黑體" pitchFamily="34" charset="-120"/>
+                <a:ea typeface="微軟正黑體" pitchFamily="34" charset="-120"/>
+              </a:rPr>
+              <a:t>救贖我</a:t>
+            </a:r>
+            <a:endParaRPr lang="en-US" sz="6400" b="1" dirty="0">
+              <a:solidFill>
+                <a:srgbClr val="660033"/>
+              </a:solidFill>
+              <a:latin typeface="微軟正黑體" pitchFamily="34" charset="-120"/>
+              <a:ea typeface="微軟正黑體" pitchFamily="34" charset="-120"/>
+            </a:endParaRPr>
+          </a:p>
+        </p:txBody>
+      </p:sp>
+    </p:spTree>
+    <p:extLst>
+      <p:ext uri="{BB962C8B-B14F-4D97-AF65-F5344CB8AC3E}">
+        <p14:creationId xmlns:p14="http://schemas.microsoft.com/office/powerpoint/2010/main" val="3534533613"/>
+      </p:ext>
+    </p:extLst>
+  </p:cSld>
+  <p:clrMapOvr>
+    <a:masterClrMapping/>
+  </p:clrMapOvr>
+</p:sld>
+</file>
+
+<file path=ppt/slides/slide4.xml><?xml version="1.0" encoding="utf-8"?>
+<p:sld xmlns:a="http://schemas.openxmlformats.org/drawingml/2006/main" xmlns:r="http://schemas.openxmlformats.org/officeDocument/2006/relationships" xmlns:p="http://schemas.openxmlformats.org/presentationml/2006/main">
+  <p:cSld>
+    <p:spTree>
+      <p:nvGrpSpPr>
+        <p:cNvPr id="1" name=""/>
+        <p:cNvGrpSpPr/>
+        <p:nvPr/>
+      </p:nvGrpSpPr>
+      <p:grpSpPr>
+        <a:xfrm>
+          <a:off x="0" y="0"/>
+          <a:ext cx="0" cy="0"/>
+          <a:chOff x="0" y="0"/>
+          <a:chExt cx="0" cy="0"/>
+        </a:xfrm>
+      </p:grpSpPr>
+      <p:sp>
+        <p:nvSpPr>
+          <p:cNvPr id="5" name="內容版面配置區 4"/>
+          <p:cNvSpPr>
+            <a:spLocks noGrp="1"/>
+          </p:cNvSpPr>
+          <p:nvPr>
+            <p:ph idx="1"/>
+          </p:nvPr>
+        </p:nvSpPr>
+        <p:spPr>
+          <a:xfrm>
+            <a:off x="0" y="2084853"/>
+            <a:ext cx="12192000" cy="2404863"/>
+          </a:xfrm>
+        </p:spPr>
+        <p:txBody>
+          <a:bodyPr anchor="ctr">
+            <a:normAutofit/>
+          </a:bodyPr>
+          <a:lstStyle/>
+          <a:p>
+            <a:pPr algn="ctr">
+              <a:buNone/>
+            </a:pPr>
+            <a:r>
+              <a:rPr lang="zh-CN" altLang="en-US" sz="6400" b="1" dirty="0">
+                <a:solidFill>
+                  <a:srgbClr val="660033"/>
+                </a:solidFill>
+                <a:latin typeface="微軟正黑體" pitchFamily="34" charset="-120"/>
+                <a:ea typeface="微軟正黑體" pitchFamily="34" charset="-120"/>
+              </a:rPr>
+              <a:t>袮</a:t>
+            </a:r>
+            <a:r>
+              <a:rPr lang="zh-TW" altLang="en-US" sz="6400" b="1" dirty="0">
+                <a:solidFill>
+                  <a:srgbClr val="660033"/>
+                </a:solidFill>
+                <a:latin typeface="微軟正黑體" pitchFamily="34" charset="-120"/>
+                <a:ea typeface="微軟正黑體" pitchFamily="34" charset="-120"/>
+              </a:rPr>
+              <a:t>從天上降世間  指引我路</a:t>
+            </a:r>
+            <a:endParaRPr lang="en-US" altLang="zh-TW" sz="6400" b="1" dirty="0">
+              <a:solidFill>
+                <a:srgbClr val="660033"/>
+              </a:solidFill>
+              <a:latin typeface="微軟正黑體" pitchFamily="34" charset="-120"/>
+              <a:ea typeface="微軟正黑體" pitchFamily="34" charset="-120"/>
+            </a:endParaRPr>
+          </a:p>
+          <a:p>
+            <a:pPr algn="ctr">
+              <a:buNone/>
+            </a:pPr>
+            <a:r>
+              <a:rPr lang="zh-TW" altLang="en-US" sz="6400" b="1" dirty="0">
+                <a:solidFill>
+                  <a:srgbClr val="660033"/>
                 </a:solidFill>
                 <a:latin typeface="微軟正黑體" pitchFamily="34" charset="-120"/>
                 <a:ea typeface="微軟正黑體" pitchFamily="34" charset="-120"/>
               </a:rPr>
               <a:t>在世間被釘十架  我罪得贖</a:t>
             </a:r>
-            <a:endParaRPr lang="en-US" altLang="zh-TW" sz="6000" b="1" dirty="0">
+            <a:endParaRPr lang="en-US" altLang="zh-TW" sz="6400" b="1" dirty="0">
               <a:solidFill>
-                <a:srgbClr val="000066"/>
+                <a:srgbClr val="660033"/>
               </a:solidFill>
               <a:latin typeface="微軟正黑體" pitchFamily="34" charset="-120"/>
               <a:ea typeface="微軟正黑體" pitchFamily="34" charset="-120"/>
             </a:endParaRPr>
           </a:p>
+        </p:txBody>
+      </p:sp>
+    </p:spTree>
+    <p:extLst>
+      <p:ext uri="{BB962C8B-B14F-4D97-AF65-F5344CB8AC3E}">
+        <p14:creationId xmlns:p14="http://schemas.microsoft.com/office/powerpoint/2010/main" val="1440795091"/>
+      </p:ext>
+    </p:extLst>
+  </p:cSld>
+  <p:clrMapOvr>
+    <a:masterClrMapping/>
+  </p:clrMapOvr>
+</p:sld>
+</file>
+
+<file path=ppt/slides/slide5.xml><?xml version="1.0" encoding="utf-8"?>
+<p:sld xmlns:a="http://schemas.openxmlformats.org/drawingml/2006/main" xmlns:r="http://schemas.openxmlformats.org/officeDocument/2006/relationships" xmlns:p="http://schemas.openxmlformats.org/presentationml/2006/main">
+  <p:cSld>
+    <p:spTree>
+      <p:nvGrpSpPr>
+        <p:cNvPr id="1" name=""/>
+        <p:cNvGrpSpPr/>
+        <p:nvPr/>
+      </p:nvGrpSpPr>
+      <p:grpSpPr>
+        <a:xfrm>
+          <a:off x="0" y="0"/>
+          <a:ext cx="0" cy="0"/>
+          <a:chOff x="0" y="0"/>
+          <a:chExt cx="0" cy="0"/>
+        </a:xfrm>
+      </p:grpSpPr>
+      <p:sp>
+        <p:nvSpPr>
+          <p:cNvPr id="5" name="內容版面配置區 4"/>
+          <p:cNvSpPr>
+            <a:spLocks noGrp="1"/>
+          </p:cNvSpPr>
+          <p:nvPr>
+            <p:ph idx="1"/>
+          </p:nvPr>
+        </p:nvSpPr>
+        <p:spPr>
+          <a:xfrm>
+            <a:off x="0" y="2084853"/>
+            <a:ext cx="12192000" cy="2404863"/>
+          </a:xfrm>
+        </p:spPr>
+        <p:txBody>
+          <a:bodyPr anchor="ctr">
+            <a:normAutofit/>
+          </a:bodyPr>
+          <a:lstStyle/>
           <a:p>
             <a:pPr algn="ctr">
               <a:buNone/>
             </a:pPr>
             <a:r>
-              <a:rPr lang="zh-TW" altLang="en-US" sz="6000" b="1" dirty="0">
-                <a:solidFill>
-                  <a:srgbClr val="000066"/>
+              <a:rPr lang="zh-TW" altLang="en-US" sz="6400" b="1" dirty="0">
+                <a:solidFill>
+                  <a:srgbClr val="660033"/>
                 </a:solidFill>
                 <a:latin typeface="微軟正黑體" pitchFamily="34" charset="-120"/>
                 <a:ea typeface="微軟正黑體" pitchFamily="34" charset="-120"/>
               </a:rPr>
-              <a:t>從十架到</a:t>
-            </a:r>
-            <a:r>
-              <a:rPr lang="zh-TW" altLang="en-US" sz="6000" b="1" dirty="0" smtClean="0">
-                <a:solidFill>
-                  <a:srgbClr val="000066"/>
-                </a:solidFill>
-                <a:latin typeface="微軟正黑體" pitchFamily="34" charset="-120"/>
-                <a:ea typeface="微軟正黑體" pitchFamily="34" charset="-120"/>
-              </a:rPr>
-              <a:t>墳</a:t>
-            </a:r>
-            <a:r>
-              <a:rPr lang="zh-CN" altLang="en-US" sz="6000" b="1" dirty="0" smtClean="0">
-                <a:solidFill>
-                  <a:srgbClr val="000066"/>
+              <a:t>從十架到墳</a:t>
+            </a:r>
+            <a:r>
+              <a:rPr lang="zh-CN" altLang="en-US" sz="6400" b="1" dirty="0">
+                <a:solidFill>
+                  <a:srgbClr val="660033"/>
                 </a:solidFill>
                 <a:latin typeface="微軟正黑體" pitchFamily="34" charset="-120"/>
                 <a:ea typeface="微軟正黑體" pitchFamily="34" charset="-120"/>
@@ -3605,39 +3628,19 @@
               <a:t>墓</a:t>
             </a:r>
             <a:r>
-              <a:rPr lang="zh-TW" altLang="en-US" sz="6000" b="1" dirty="0" smtClean="0">
-                <a:solidFill>
-                  <a:srgbClr val="000066"/>
+              <a:rPr lang="zh-TW" altLang="en-US" sz="6400" b="1" dirty="0">
+                <a:solidFill>
+                  <a:srgbClr val="660033"/>
                 </a:solidFill>
                 <a:latin typeface="微軟正黑體" pitchFamily="34" charset="-120"/>
                 <a:ea typeface="微軟正黑體" pitchFamily="34" charset="-120"/>
               </a:rPr>
-              <a:t>  </a:t>
-            </a:r>
-            <a:r>
-              <a:rPr lang="zh-TW" altLang="en-US" sz="6000" b="1" dirty="0">
-                <a:solidFill>
-                  <a:srgbClr val="000066"/>
-                </a:solidFill>
-                <a:latin typeface="微軟正黑體" pitchFamily="34" charset="-120"/>
-                <a:ea typeface="微軟正黑體" pitchFamily="34" charset="-120"/>
-              </a:rPr>
-              <a:t>從</a:t>
-            </a:r>
-            <a:r>
-              <a:rPr lang="zh-TW" altLang="en-US" sz="6000" b="1" dirty="0" smtClean="0">
-                <a:solidFill>
-                  <a:srgbClr val="000066"/>
-                </a:solidFill>
-                <a:latin typeface="微軟正黑體" pitchFamily="34" charset="-120"/>
-                <a:ea typeface="微軟正黑體" pitchFamily="34" charset="-120"/>
-              </a:rPr>
-              <a:t>墳</a:t>
-            </a:r>
-            <a:r>
-              <a:rPr lang="zh-CN" altLang="en-US" sz="6000" b="1" dirty="0">
-                <a:solidFill>
-                  <a:srgbClr val="000066"/>
+              <a:t>  從墳</a:t>
+            </a:r>
+            <a:r>
+              <a:rPr lang="zh-CN" altLang="en-US" sz="6400" b="1" dirty="0">
+                <a:solidFill>
+                  <a:srgbClr val="660033"/>
                 </a:solidFill>
                 <a:latin typeface="微軟正黑體" pitchFamily="34" charset="-120"/>
                 <a:ea typeface="微軟正黑體" pitchFamily="34" charset="-120"/>
@@ -3645,28 +3648,18 @@
               <a:t>墓</a:t>
             </a:r>
             <a:r>
-              <a:rPr lang="zh-TW" altLang="en-US" sz="6000" b="1" dirty="0" smtClean="0">
-                <a:solidFill>
-                  <a:srgbClr val="000066"/>
+              <a:rPr lang="zh-TW" altLang="en-US" sz="6400" b="1" dirty="0">
+                <a:solidFill>
+                  <a:srgbClr val="660033"/>
                 </a:solidFill>
                 <a:latin typeface="微軟正黑體" pitchFamily="34" charset="-120"/>
                 <a:ea typeface="微軟正黑體" pitchFamily="34" charset="-120"/>
               </a:rPr>
-              <a:t>升</a:t>
-            </a:r>
-            <a:r>
-              <a:rPr lang="zh-TW" altLang="en-US" sz="6000" b="1" dirty="0">
-                <a:solidFill>
-                  <a:srgbClr val="000066"/>
-                </a:solidFill>
-                <a:latin typeface="微軟正黑體" pitchFamily="34" charset="-120"/>
-                <a:ea typeface="微軟正黑體" pitchFamily="34" charset="-120"/>
-              </a:rPr>
-              <a:t>回天</a:t>
-            </a:r>
-            <a:endParaRPr lang="en-US" altLang="zh-TW" sz="6000" b="1" dirty="0">
+              <a:t>升回天</a:t>
+            </a:r>
+            <a:endParaRPr lang="en-US" altLang="zh-TW" sz="6400" b="1" dirty="0">
               <a:solidFill>
-                <a:srgbClr val="000066"/>
+                <a:srgbClr val="660033"/>
               </a:solidFill>
               <a:latin typeface="微軟正黑體" pitchFamily="34" charset="-120"/>
               <a:ea typeface="微軟正黑體" pitchFamily="34" charset="-120"/>
@@ -3677,29 +3670,19 @@
               <a:buNone/>
             </a:pPr>
             <a:r>
-              <a:rPr lang="zh-TW" altLang="en-US" sz="6000" b="1" dirty="0">
-                <a:solidFill>
-                  <a:srgbClr val="000066"/>
+              <a:rPr lang="zh-TW" altLang="en-US" sz="6400" b="1" dirty="0">
+                <a:solidFill>
+                  <a:srgbClr val="660033"/>
                 </a:solidFill>
                 <a:latin typeface="微軟正黑體" pitchFamily="34" charset="-120"/>
                 <a:ea typeface="微軟正黑體" pitchFamily="34" charset="-120"/>
               </a:rPr>
-              <a:t>主我高</a:t>
-            </a:r>
-            <a:r>
-              <a:rPr lang="zh-TW" altLang="en-US" sz="6000" b="1" dirty="0" smtClean="0">
-                <a:solidFill>
-                  <a:srgbClr val="000066"/>
-                </a:solidFill>
-                <a:latin typeface="微軟正黑體" pitchFamily="34" charset="-120"/>
-                <a:ea typeface="微軟正黑體" pitchFamily="34" charset="-120"/>
-              </a:rPr>
-              <a:t>舉</a:t>
-            </a:r>
-            <a:r>
-              <a:rPr lang="zh-CN" altLang="en-US" sz="6000" b="1" dirty="0">
-                <a:solidFill>
-                  <a:srgbClr val="000066"/>
+              <a:t>主我高舉</a:t>
+            </a:r>
+            <a:r>
+              <a:rPr lang="zh-CN" altLang="en-US" sz="6400" b="1" dirty="0">
+                <a:solidFill>
+                  <a:srgbClr val="660033"/>
                 </a:solidFill>
                 <a:latin typeface="微軟正黑體" pitchFamily="34" charset="-120"/>
                 <a:ea typeface="微軟正黑體" pitchFamily="34" charset="-120"/>
@@ -3707,28 +3690,18 @@
               <a:t>袮</a:t>
             </a:r>
             <a:r>
-              <a:rPr lang="zh-TW" altLang="en-US" sz="6000" b="1" dirty="0" smtClean="0">
-                <a:solidFill>
-                  <a:srgbClr val="000066"/>
+              <a:rPr lang="zh-TW" altLang="en-US" sz="6400" b="1" dirty="0">
+                <a:solidFill>
+                  <a:srgbClr val="660033"/>
                 </a:solidFill>
                 <a:latin typeface="微軟正黑體" pitchFamily="34" charset="-120"/>
                 <a:ea typeface="微軟正黑體" pitchFamily="34" charset="-120"/>
               </a:rPr>
-              <a:t>的</a:t>
-            </a:r>
-            <a:r>
-              <a:rPr lang="zh-TW" altLang="en-US" sz="6000" b="1" dirty="0">
-                <a:solidFill>
-                  <a:srgbClr val="000066"/>
-                </a:solidFill>
-                <a:latin typeface="微軟正黑體" pitchFamily="34" charset="-120"/>
-                <a:ea typeface="微軟正黑體" pitchFamily="34" charset="-120"/>
-              </a:rPr>
-              <a:t>名</a:t>
-            </a:r>
-            <a:endParaRPr lang="en-US" sz="6000" b="1" dirty="0">
+              <a:t>的名</a:t>
+            </a:r>
+            <a:endParaRPr lang="en-US" sz="6400" b="1" dirty="0">
               <a:solidFill>
-                <a:srgbClr val="000066"/>
+                <a:srgbClr val="660033"/>
               </a:solidFill>
               <a:latin typeface="微軟正黑體" pitchFamily="34" charset="-120"/>
               <a:ea typeface="微軟正黑體" pitchFamily="34" charset="-120"/>
@@ -3737,6 +3710,11 @@
         </p:txBody>
       </p:sp>
     </p:spTree>
+    <p:extLst>
+      <p:ext uri="{BB962C8B-B14F-4D97-AF65-F5344CB8AC3E}">
+        <p14:creationId xmlns:p14="http://schemas.microsoft.com/office/powerpoint/2010/main" val="1100820243"/>
+      </p:ext>
+    </p:extLst>
   </p:cSld>
   <p:clrMapOvr>
     <a:masterClrMapping/>

--- a/主我高舉你的名.pptx
+++ b/主我高舉你的名.pptx
@@ -10,6 +10,14 @@
     <p:sldId id="260" r:id="rId4"/>
     <p:sldId id="261" r:id="rId5"/>
     <p:sldId id="262" r:id="rId6"/>
+    <p:sldId id="267" r:id="rId7"/>
+    <p:sldId id="265" r:id="rId8"/>
+    <p:sldId id="266" r:id="rId9"/>
+    <p:sldId id="268" r:id="rId10"/>
+    <p:sldId id="269" r:id="rId11"/>
+    <p:sldId id="263" r:id="rId12"/>
+    <p:sldId id="270" r:id="rId13"/>
+    <p:sldId id="271" r:id="rId14"/>
   </p:sldIdLst>
   <p:sldSz cx="12192000" cy="6858000"/>
   <p:notesSz cx="6858000" cy="9144000"/>
@@ -110,7 +118,7 @@
   </p:defaultTextStyle>
   <p:extLst>
     <p:ext uri="{EFAFB233-063F-42B5-8137-9DF3F51BA10A}">
-      <p15:sldGuideLst xmlns:p15="http://schemas.microsoft.com/office/powerpoint/2012/main">
+      <p15:sldGuideLst xmlns:p15="http://schemas.microsoft.com/office/powerpoint/2012/main" xmlns="">
         <p15:guide id="1" orient="horz" pos="2160" userDrawn="1">
           <p15:clr>
             <a:srgbClr val="A4A3A4"/>
@@ -309,7 +317,7 @@
             <a:fld id="{EEC551BE-2332-4372-852A-7F4471651BAB}" type="datetimeFigureOut">
               <a:rPr lang="en-US" smtClean="0"/>
               <a:pPr/>
-              <a:t>2/26/2021</a:t>
+              <a:t>12/7/2021</a:t>
             </a:fld>
             <a:endParaRPr lang="en-US"/>
           </a:p>
@@ -476,7 +484,7 @@
             <a:fld id="{EEC551BE-2332-4372-852A-7F4471651BAB}" type="datetimeFigureOut">
               <a:rPr lang="en-US" smtClean="0"/>
               <a:pPr/>
-              <a:t>2/26/2021</a:t>
+              <a:t>12/7/2021</a:t>
             </a:fld>
             <a:endParaRPr lang="en-US"/>
           </a:p>
@@ -653,7 +661,7 @@
             <a:fld id="{EEC551BE-2332-4372-852A-7F4471651BAB}" type="datetimeFigureOut">
               <a:rPr lang="en-US" smtClean="0"/>
               <a:pPr/>
-              <a:t>2/26/2021</a:t>
+              <a:t>12/7/2021</a:t>
             </a:fld>
             <a:endParaRPr lang="en-US"/>
           </a:p>
@@ -820,7 +828,7 @@
             <a:fld id="{EEC551BE-2332-4372-852A-7F4471651BAB}" type="datetimeFigureOut">
               <a:rPr lang="en-US" smtClean="0"/>
               <a:pPr/>
-              <a:t>2/26/2021</a:t>
+              <a:t>12/7/2021</a:t>
             </a:fld>
             <a:endParaRPr lang="en-US"/>
           </a:p>
@@ -1063,7 +1071,7 @@
             <a:fld id="{EEC551BE-2332-4372-852A-7F4471651BAB}" type="datetimeFigureOut">
               <a:rPr lang="en-US" smtClean="0"/>
               <a:pPr/>
-              <a:t>2/26/2021</a:t>
+              <a:t>12/7/2021</a:t>
             </a:fld>
             <a:endParaRPr lang="en-US"/>
           </a:p>
@@ -1348,7 +1356,7 @@
             <a:fld id="{EEC551BE-2332-4372-852A-7F4471651BAB}" type="datetimeFigureOut">
               <a:rPr lang="en-US" smtClean="0"/>
               <a:pPr/>
-              <a:t>2/26/2021</a:t>
+              <a:t>12/7/2021</a:t>
             </a:fld>
             <a:endParaRPr lang="en-US"/>
           </a:p>
@@ -1767,7 +1775,7 @@
             <a:fld id="{EEC551BE-2332-4372-852A-7F4471651BAB}" type="datetimeFigureOut">
               <a:rPr lang="en-US" smtClean="0"/>
               <a:pPr/>
-              <a:t>2/26/2021</a:t>
+              <a:t>12/7/2021</a:t>
             </a:fld>
             <a:endParaRPr lang="en-US"/>
           </a:p>
@@ -1882,7 +1890,7 @@
             <a:fld id="{EEC551BE-2332-4372-852A-7F4471651BAB}" type="datetimeFigureOut">
               <a:rPr lang="en-US" smtClean="0"/>
               <a:pPr/>
-              <a:t>2/26/2021</a:t>
+              <a:t>12/7/2021</a:t>
             </a:fld>
             <a:endParaRPr lang="en-US"/>
           </a:p>
@@ -1974,7 +1982,7 @@
             <a:fld id="{EEC551BE-2332-4372-852A-7F4471651BAB}" type="datetimeFigureOut">
               <a:rPr lang="en-US" smtClean="0"/>
               <a:pPr/>
-              <a:t>2/26/2021</a:t>
+              <a:t>12/7/2021</a:t>
             </a:fld>
             <a:endParaRPr lang="en-US"/>
           </a:p>
@@ -2248,7 +2256,7 @@
             <a:fld id="{EEC551BE-2332-4372-852A-7F4471651BAB}" type="datetimeFigureOut">
               <a:rPr lang="en-US" smtClean="0"/>
               <a:pPr/>
-              <a:t>2/26/2021</a:t>
+              <a:t>12/7/2021</a:t>
             </a:fld>
             <a:endParaRPr lang="en-US"/>
           </a:p>
@@ -2502,7 +2510,7 @@
             <a:fld id="{EEC551BE-2332-4372-852A-7F4471651BAB}" type="datetimeFigureOut">
               <a:rPr lang="en-US" smtClean="0"/>
               <a:pPr/>
-              <a:t>2/26/2021</a:t>
+              <a:t>12/7/2021</a:t>
             </a:fld>
             <a:endParaRPr lang="en-US"/>
           </a:p>
@@ -2717,7 +2725,7 @@
             <a:fld id="{EEC551BE-2332-4372-852A-7F4471651BAB}" type="datetimeFigureOut">
               <a:rPr lang="en-US" smtClean="0"/>
               <a:pPr/>
-              <a:t>2/26/2021</a:t>
+              <a:t>12/7/2021</a:t>
             </a:fld>
             <a:endParaRPr lang="en-US"/>
           </a:p>
@@ -3125,10 +3133,10 @@
                 <a:latin typeface="微軟正黑體" pitchFamily="34" charset="-120"/>
                 <a:ea typeface="微軟正黑體" pitchFamily="34" charset="-120"/>
               </a:rPr>
-              <a:t>主</a:t>
-            </a:r>
-            <a:r>
-              <a:rPr lang="zh-TW" altLang="en-US" sz="7200" b="1" i="1" dirty="0">
+              <a:t>主我高舉</a:t>
+            </a:r>
+            <a:r>
+              <a:rPr lang="zh-CN" altLang="en-US" sz="7200" b="1" i="1" dirty="0">
                 <a:solidFill>
                   <a:srgbClr val="660033"/>
                 </a:solidFill>
@@ -3142,10 +3150,10 @@
                 <a:latin typeface="微軟正黑體" pitchFamily="34" charset="-120"/>
                 <a:ea typeface="微軟正黑體" pitchFamily="34" charset="-120"/>
               </a:rPr>
-              <a:t>我高舉</a:t>
-            </a:r>
-            <a:r>
-              <a:rPr lang="zh-CN" altLang="en-US" sz="7200" b="1" i="1" dirty="0">
+              <a:t>袮</a:t>
+            </a:r>
+            <a:r>
+              <a:rPr lang="zh-TW" altLang="en-US" sz="7200" b="1" i="1" dirty="0">
                 <a:solidFill>
                   <a:srgbClr val="660033"/>
                 </a:solidFill>
@@ -3159,23 +3167,6 @@
                 <a:latin typeface="微軟正黑體" pitchFamily="34" charset="-120"/>
                 <a:ea typeface="微軟正黑體" pitchFamily="34" charset="-120"/>
               </a:rPr>
-              <a:t>袮</a:t>
-            </a:r>
-            <a:r>
-              <a:rPr lang="zh-TW" altLang="en-US" sz="7200" b="1" i="1" dirty="0">
-                <a:solidFill>
-                  <a:srgbClr val="660033"/>
-                </a:solidFill>
-                <a:effectLst>
-                  <a:outerShdw blurRad="38100" dist="38100" dir="2700000" algn="tl">
-                    <a:srgbClr val="000000">
-                      <a:alpha val="43137"/>
-                    </a:srgbClr>
-                  </a:outerShdw>
-                </a:effectLst>
-                <a:latin typeface="微軟正黑體" pitchFamily="34" charset="-120"/>
-                <a:ea typeface="微軟正黑體" pitchFamily="34" charset="-120"/>
-              </a:rPr>
               <a:t>的名</a:t>
             </a:r>
           </a:p>
@@ -3184,13 +3175,661 @@
     </p:spTree>
     <p:extLst>
       <p:ext uri="{BB962C8B-B14F-4D97-AF65-F5344CB8AC3E}">
-        <p14:creationId xmlns:p14="http://schemas.microsoft.com/office/powerpoint/2010/main" val="1946522256"/>
+        <p14:creationId xmlns:p14="http://schemas.microsoft.com/office/powerpoint/2010/main" xmlns="" val="1946522256"/>
       </p:ext>
     </p:extLst>
   </p:cSld>
   <p:clrMapOvr>
     <a:masterClrMapping/>
   </p:clrMapOvr>
+  <p:timing>
+    <p:tnLst>
+      <p:par>
+        <p:cTn id="1" dur="indefinite" restart="never" nodeType="tmRoot"/>
+      </p:par>
+    </p:tnLst>
+  </p:timing>
+</p:sld>
+</file>
+
+<file path=ppt/slides/slide10.xml><?xml version="1.0" encoding="utf-8"?>
+<p:sld xmlns:a="http://schemas.openxmlformats.org/drawingml/2006/main" xmlns:r="http://schemas.openxmlformats.org/officeDocument/2006/relationships" xmlns:p="http://schemas.openxmlformats.org/presentationml/2006/main">
+  <p:cSld>
+    <p:spTree>
+      <p:nvGrpSpPr>
+        <p:cNvPr id="1" name=""/>
+        <p:cNvGrpSpPr/>
+        <p:nvPr/>
+      </p:nvGrpSpPr>
+      <p:grpSpPr>
+        <a:xfrm>
+          <a:off x="0" y="0"/>
+          <a:ext cx="0" cy="0"/>
+          <a:chOff x="0" y="0"/>
+          <a:chExt cx="0" cy="0"/>
+        </a:xfrm>
+      </p:grpSpPr>
+      <p:sp>
+        <p:nvSpPr>
+          <p:cNvPr id="2" name="標題 1"/>
+          <p:cNvSpPr>
+            <a:spLocks noGrp="1"/>
+          </p:cNvSpPr>
+          <p:nvPr>
+            <p:ph type="title"/>
+          </p:nvPr>
+        </p:nvSpPr>
+        <p:spPr/>
+        <p:txBody>
+          <a:bodyPr/>
+          <a:lstStyle/>
+          <a:p>
+            <a:endParaRPr lang="zh-TW" altLang="en-US"/>
+          </a:p>
+        </p:txBody>
+      </p:sp>
+      <p:sp>
+        <p:nvSpPr>
+          <p:cNvPr id="3" name="內容版面配置區 2"/>
+          <p:cNvSpPr>
+            <a:spLocks noGrp="1"/>
+          </p:cNvSpPr>
+          <p:nvPr>
+            <p:ph idx="1"/>
+          </p:nvPr>
+        </p:nvSpPr>
+        <p:spPr/>
+        <p:txBody>
+          <a:bodyPr>
+            <a:noAutofit/>
+          </a:bodyPr>
+          <a:lstStyle/>
+          <a:p>
+            <a:pPr algn="ctr">
+              <a:buNone/>
+            </a:pPr>
+            <a:r>
+              <a:rPr lang="zh-TW" altLang="en-US" sz="6400" b="1" dirty="0" smtClean="0">
+                <a:solidFill>
+                  <a:srgbClr val="660033"/>
+                </a:solidFill>
+                <a:latin typeface="微軟正黑體" pitchFamily="34" charset="-120"/>
+                <a:ea typeface="微軟正黑體" pitchFamily="34" charset="-120"/>
+              </a:rPr>
+              <a:t>到  各山嶺去傳揚</a:t>
+            </a:r>
+            <a:endParaRPr lang="en-US" altLang="en-US" sz="6400" b="1" dirty="0" smtClean="0">
+              <a:solidFill>
+                <a:srgbClr val="660033"/>
+              </a:solidFill>
+              <a:latin typeface="微軟正黑體" pitchFamily="34" charset="-120"/>
+              <a:ea typeface="微軟正黑體" pitchFamily="34" charset="-120"/>
+            </a:endParaRPr>
+          </a:p>
+          <a:p>
+            <a:pPr algn="ctr">
+              <a:buNone/>
+            </a:pPr>
+            <a:r>
+              <a:rPr lang="zh-TW" altLang="en-US" sz="6400" b="1" dirty="0" smtClean="0">
+                <a:solidFill>
+                  <a:srgbClr val="660033"/>
+                </a:solidFill>
+                <a:latin typeface="微軟正黑體" pitchFamily="34" charset="-120"/>
+                <a:ea typeface="微軟正黑體" pitchFamily="34" charset="-120"/>
+              </a:rPr>
+              <a:t>越過山崗到各地方</a:t>
+            </a:r>
+            <a:endParaRPr lang="en-US" altLang="en-US" sz="6400" b="1" dirty="0" smtClean="0">
+              <a:solidFill>
+                <a:srgbClr val="660033"/>
+              </a:solidFill>
+              <a:latin typeface="微軟正黑體" pitchFamily="34" charset="-120"/>
+              <a:ea typeface="微軟正黑體" pitchFamily="34" charset="-120"/>
+            </a:endParaRPr>
+          </a:p>
+          <a:p>
+            <a:pPr algn="ctr">
+              <a:buNone/>
+            </a:pPr>
+            <a:r>
+              <a:rPr lang="zh-TW" altLang="en-US" sz="6400" b="1" dirty="0" smtClean="0">
+                <a:solidFill>
+                  <a:srgbClr val="660033"/>
+                </a:solidFill>
+                <a:latin typeface="微軟正黑體" pitchFamily="34" charset="-120"/>
+                <a:ea typeface="微軟正黑體" pitchFamily="34" charset="-120"/>
+              </a:rPr>
+              <a:t>到 各山嶺去傳揚</a:t>
+            </a:r>
+            <a:endParaRPr lang="en-US" altLang="en-US" sz="6400" b="1" dirty="0" smtClean="0">
+              <a:solidFill>
+                <a:srgbClr val="660033"/>
+              </a:solidFill>
+              <a:latin typeface="微軟正黑體" pitchFamily="34" charset="-120"/>
+              <a:ea typeface="微軟正黑體" pitchFamily="34" charset="-120"/>
+            </a:endParaRPr>
+          </a:p>
+          <a:p>
+            <a:pPr algn="ctr">
+              <a:buNone/>
+            </a:pPr>
+            <a:r>
+              <a:rPr lang="zh-TW" altLang="en-US" sz="6400" b="1" dirty="0" smtClean="0">
+                <a:solidFill>
+                  <a:srgbClr val="660033"/>
+                </a:solidFill>
+                <a:latin typeface="微軟正黑體" pitchFamily="34" charset="-120"/>
+                <a:ea typeface="微軟正黑體" pitchFamily="34" charset="-120"/>
+              </a:rPr>
+              <a:t>說基督  已降    生</a:t>
+            </a:r>
+            <a:endParaRPr lang="en-US" altLang="en-US" sz="6400" b="1" dirty="0" smtClean="0">
+              <a:solidFill>
+                <a:srgbClr val="660033"/>
+              </a:solidFill>
+              <a:latin typeface="微軟正黑體" pitchFamily="34" charset="-120"/>
+              <a:ea typeface="微軟正黑體" pitchFamily="34" charset="-120"/>
+            </a:endParaRPr>
+          </a:p>
+        </p:txBody>
+      </p:sp>
+    </p:spTree>
+  </p:cSld>
+  <p:clrMapOvr>
+    <a:masterClrMapping/>
+  </p:clrMapOvr>
+  <p:timing>
+    <p:tnLst>
+      <p:par>
+        <p:cTn id="1" dur="indefinite" restart="never" nodeType="tmRoot"/>
+      </p:par>
+    </p:tnLst>
+  </p:timing>
+</p:sld>
+</file>
+
+<file path=ppt/slides/slide11.xml><?xml version="1.0" encoding="utf-8"?>
+<p:sld xmlns:a="http://schemas.openxmlformats.org/drawingml/2006/main" xmlns:r="http://schemas.openxmlformats.org/officeDocument/2006/relationships" xmlns:p="http://schemas.openxmlformats.org/presentationml/2006/main">
+  <p:cSld>
+    <p:spTree>
+      <p:nvGrpSpPr>
+        <p:cNvPr id="1" name=""/>
+        <p:cNvGrpSpPr/>
+        <p:nvPr/>
+      </p:nvGrpSpPr>
+      <p:grpSpPr>
+        <a:xfrm>
+          <a:off x="0" y="0"/>
+          <a:ext cx="0" cy="0"/>
+          <a:chOff x="0" y="0"/>
+          <a:chExt cx="0" cy="0"/>
+        </a:xfrm>
+      </p:grpSpPr>
+      <p:sp>
+        <p:nvSpPr>
+          <p:cNvPr id="2" name="標題 1"/>
+          <p:cNvSpPr>
+            <a:spLocks noGrp="1"/>
+          </p:cNvSpPr>
+          <p:nvPr>
+            <p:ph type="title"/>
+          </p:nvPr>
+        </p:nvSpPr>
+        <p:spPr/>
+        <p:txBody>
+          <a:bodyPr/>
+          <a:lstStyle/>
+          <a:p>
+            <a:endParaRPr lang="zh-TW" altLang="en-US"/>
+          </a:p>
+        </p:txBody>
+      </p:sp>
+      <p:sp>
+        <p:nvSpPr>
+          <p:cNvPr id="3" name="內容版面配置區 2"/>
+          <p:cNvSpPr>
+            <a:spLocks noGrp="1"/>
+          </p:cNvSpPr>
+          <p:nvPr>
+            <p:ph idx="1"/>
+          </p:nvPr>
+        </p:nvSpPr>
+        <p:spPr/>
+        <p:txBody>
+          <a:bodyPr>
+            <a:noAutofit/>
+          </a:bodyPr>
+          <a:lstStyle/>
+          <a:p>
+            <a:pPr algn="ctr">
+              <a:buNone/>
+            </a:pPr>
+            <a:r>
+              <a:rPr lang="zh-TW" altLang="en-US" sz="6400" b="1" dirty="0" smtClean="0">
+                <a:solidFill>
+                  <a:srgbClr val="660033"/>
+                </a:solidFill>
+                <a:latin typeface="微軟正黑體" pitchFamily="34" charset="-120"/>
+                <a:ea typeface="微軟正黑體" pitchFamily="34" charset="-120"/>
+              </a:rPr>
+              <a:t>主派我做守望</a:t>
+            </a:r>
+            <a:endParaRPr lang="en-US" altLang="en-US" sz="6400" b="1" dirty="0" smtClean="0">
+              <a:solidFill>
+                <a:srgbClr val="660033"/>
+              </a:solidFill>
+              <a:latin typeface="微軟正黑體" pitchFamily="34" charset="-120"/>
+              <a:ea typeface="微軟正黑體" pitchFamily="34" charset="-120"/>
+            </a:endParaRPr>
+          </a:p>
+          <a:p>
+            <a:pPr algn="ctr">
+              <a:buNone/>
+            </a:pPr>
+            <a:r>
+              <a:rPr lang="zh-TW" altLang="en-US" sz="6400" b="1" dirty="0" smtClean="0">
+                <a:solidFill>
+                  <a:srgbClr val="660033"/>
+                </a:solidFill>
+                <a:latin typeface="微軟正黑體" pitchFamily="34" charset="-120"/>
+                <a:ea typeface="微軟正黑體" pitchFamily="34" charset="-120"/>
+              </a:rPr>
+              <a:t>日夜</a:t>
+            </a:r>
+            <a:r>
+              <a:rPr lang="zh-TW" altLang="en-US" sz="6400" b="1" dirty="0" smtClean="0">
+                <a:solidFill>
+                  <a:srgbClr val="660033"/>
+                </a:solidFill>
+                <a:latin typeface="微軟正黑體" pitchFamily="34" charset="-120"/>
+                <a:ea typeface="微軟正黑體" pitchFamily="34" charset="-120"/>
+              </a:rPr>
+              <a:t>站在城牆</a:t>
+            </a:r>
+            <a:endParaRPr lang="en-US" altLang="en-US" sz="6400" b="1" dirty="0" smtClean="0">
+              <a:solidFill>
+                <a:srgbClr val="660033"/>
+              </a:solidFill>
+              <a:latin typeface="微軟正黑體" pitchFamily="34" charset="-120"/>
+              <a:ea typeface="微軟正黑體" pitchFamily="34" charset="-120"/>
+            </a:endParaRPr>
+          </a:p>
+          <a:p>
+            <a:pPr algn="ctr">
+              <a:buNone/>
+            </a:pPr>
+            <a:r>
+              <a:rPr lang="zh-TW" altLang="en-US" sz="6400" b="1" dirty="0" smtClean="0">
+                <a:solidFill>
+                  <a:srgbClr val="660033"/>
+                </a:solidFill>
+                <a:latin typeface="微軟正黑體" pitchFamily="34" charset="-120"/>
+                <a:ea typeface="微軟正黑體" pitchFamily="34" charset="-120"/>
+              </a:rPr>
+              <a:t>我雖然是主信徒</a:t>
+            </a:r>
+            <a:endParaRPr lang="en-US" altLang="en-US" sz="6400" b="1" dirty="0" smtClean="0">
+              <a:solidFill>
+                <a:srgbClr val="660033"/>
+              </a:solidFill>
+              <a:latin typeface="微軟正黑體" pitchFamily="34" charset="-120"/>
+              <a:ea typeface="微軟正黑體" pitchFamily="34" charset="-120"/>
+            </a:endParaRPr>
+          </a:p>
+          <a:p>
+            <a:pPr algn="ctr">
+              <a:buNone/>
+            </a:pPr>
+            <a:r>
+              <a:rPr lang="zh-TW" altLang="en-US" sz="6400" b="1" dirty="0" smtClean="0">
+                <a:solidFill>
+                  <a:srgbClr val="660033"/>
+                </a:solidFill>
+                <a:latin typeface="微軟正黑體" pitchFamily="34" charset="-120"/>
+                <a:ea typeface="微軟正黑體" pitchFamily="34" charset="-120"/>
+              </a:rPr>
+              <a:t>我只是</a:t>
+            </a:r>
+            <a:r>
+              <a:rPr lang="zh-TW" altLang="en-US" sz="6400" b="1" dirty="0" smtClean="0">
+                <a:solidFill>
+                  <a:srgbClr val="660033"/>
+                </a:solidFill>
+                <a:latin typeface="微軟正黑體" pitchFamily="34" charset="-120"/>
+                <a:ea typeface="微軟正黑體" pitchFamily="34" charset="-120"/>
+              </a:rPr>
+              <a:t>一小羊  </a:t>
+            </a:r>
+          </a:p>
+        </p:txBody>
+      </p:sp>
+    </p:spTree>
+  </p:cSld>
+  <p:clrMapOvr>
+    <a:masterClrMapping/>
+  </p:clrMapOvr>
+  <p:timing>
+    <p:tnLst>
+      <p:par>
+        <p:cTn id="1" dur="indefinite" restart="never" nodeType="tmRoot"/>
+      </p:par>
+    </p:tnLst>
+  </p:timing>
+</p:sld>
+</file>
+
+<file path=ppt/slides/slide12.xml><?xml version="1.0" encoding="utf-8"?>
+<p:sld xmlns:a="http://schemas.openxmlformats.org/drawingml/2006/main" xmlns:r="http://schemas.openxmlformats.org/officeDocument/2006/relationships" xmlns:p="http://schemas.openxmlformats.org/presentationml/2006/main">
+  <p:cSld>
+    <p:spTree>
+      <p:nvGrpSpPr>
+        <p:cNvPr id="1" name=""/>
+        <p:cNvGrpSpPr/>
+        <p:nvPr/>
+      </p:nvGrpSpPr>
+      <p:grpSpPr>
+        <a:xfrm>
+          <a:off x="0" y="0"/>
+          <a:ext cx="0" cy="0"/>
+          <a:chOff x="0" y="0"/>
+          <a:chExt cx="0" cy="0"/>
+        </a:xfrm>
+      </p:grpSpPr>
+      <p:sp>
+        <p:nvSpPr>
+          <p:cNvPr id="2" name="標題 1"/>
+          <p:cNvSpPr>
+            <a:spLocks noGrp="1"/>
+          </p:cNvSpPr>
+          <p:nvPr>
+            <p:ph type="title"/>
+          </p:nvPr>
+        </p:nvSpPr>
+        <p:spPr/>
+        <p:txBody>
+          <a:bodyPr/>
+          <a:lstStyle/>
+          <a:p>
+            <a:endParaRPr lang="zh-TW" altLang="en-US"/>
+          </a:p>
+        </p:txBody>
+      </p:sp>
+      <p:sp>
+        <p:nvSpPr>
+          <p:cNvPr id="3" name="內容版面配置區 2"/>
+          <p:cNvSpPr>
+            <a:spLocks noGrp="1"/>
+          </p:cNvSpPr>
+          <p:nvPr>
+            <p:ph idx="1"/>
+          </p:nvPr>
+        </p:nvSpPr>
+        <p:spPr/>
+        <p:txBody>
+          <a:bodyPr>
+            <a:noAutofit/>
+          </a:bodyPr>
+          <a:lstStyle/>
+          <a:p>
+            <a:pPr algn="ctr">
+              <a:buNone/>
+            </a:pPr>
+            <a:r>
+              <a:rPr lang="zh-TW" altLang="en-US" sz="6400" b="1" dirty="0" smtClean="0">
+                <a:solidFill>
+                  <a:srgbClr val="660033"/>
+                </a:solidFill>
+                <a:latin typeface="微軟正黑體" pitchFamily="34" charset="-120"/>
+                <a:ea typeface="微軟正黑體" pitchFamily="34" charset="-120"/>
+              </a:rPr>
+              <a:t>到  各山嶺去傳揚</a:t>
+            </a:r>
+            <a:endParaRPr lang="en-US" altLang="en-US" sz="6400" b="1" dirty="0" smtClean="0">
+              <a:solidFill>
+                <a:srgbClr val="660033"/>
+              </a:solidFill>
+              <a:latin typeface="微軟正黑體" pitchFamily="34" charset="-120"/>
+              <a:ea typeface="微軟正黑體" pitchFamily="34" charset="-120"/>
+            </a:endParaRPr>
+          </a:p>
+          <a:p>
+            <a:pPr algn="ctr">
+              <a:buNone/>
+            </a:pPr>
+            <a:r>
+              <a:rPr lang="zh-TW" altLang="en-US" sz="6400" b="1" dirty="0" smtClean="0">
+                <a:solidFill>
+                  <a:srgbClr val="660033"/>
+                </a:solidFill>
+                <a:latin typeface="微軟正黑體" pitchFamily="34" charset="-120"/>
+                <a:ea typeface="微軟正黑體" pitchFamily="34" charset="-120"/>
+              </a:rPr>
+              <a:t>越過山崗到各地方</a:t>
+            </a:r>
+            <a:endParaRPr lang="en-US" altLang="en-US" sz="6400" b="1" dirty="0" smtClean="0">
+              <a:solidFill>
+                <a:srgbClr val="660033"/>
+              </a:solidFill>
+              <a:latin typeface="微軟正黑體" pitchFamily="34" charset="-120"/>
+              <a:ea typeface="微軟正黑體" pitchFamily="34" charset="-120"/>
+            </a:endParaRPr>
+          </a:p>
+          <a:p>
+            <a:pPr algn="ctr">
+              <a:buNone/>
+            </a:pPr>
+            <a:r>
+              <a:rPr lang="zh-TW" altLang="en-US" sz="6400" b="1" dirty="0" smtClean="0">
+                <a:solidFill>
+                  <a:srgbClr val="660033"/>
+                </a:solidFill>
+                <a:latin typeface="微軟正黑體" pitchFamily="34" charset="-120"/>
+                <a:ea typeface="微軟正黑體" pitchFamily="34" charset="-120"/>
+              </a:rPr>
+              <a:t>到 各山嶺去傳揚</a:t>
+            </a:r>
+            <a:endParaRPr lang="en-US" altLang="en-US" sz="6400" b="1" dirty="0" smtClean="0">
+              <a:solidFill>
+                <a:srgbClr val="660033"/>
+              </a:solidFill>
+              <a:latin typeface="微軟正黑體" pitchFamily="34" charset="-120"/>
+              <a:ea typeface="微軟正黑體" pitchFamily="34" charset="-120"/>
+            </a:endParaRPr>
+          </a:p>
+          <a:p>
+            <a:pPr algn="ctr">
+              <a:buNone/>
+            </a:pPr>
+            <a:r>
+              <a:rPr lang="zh-TW" altLang="en-US" sz="6400" b="1" dirty="0" smtClean="0">
+                <a:solidFill>
+                  <a:srgbClr val="660033"/>
+                </a:solidFill>
+                <a:latin typeface="微軟正黑體" pitchFamily="34" charset="-120"/>
+                <a:ea typeface="微軟正黑體" pitchFamily="34" charset="-120"/>
+              </a:rPr>
+              <a:t>說基督  已降    生</a:t>
+            </a:r>
+            <a:endParaRPr lang="en-US" altLang="en-US" sz="6400" b="1" dirty="0" smtClean="0">
+              <a:solidFill>
+                <a:srgbClr val="660033"/>
+              </a:solidFill>
+              <a:latin typeface="微軟正黑體" pitchFamily="34" charset="-120"/>
+              <a:ea typeface="微軟正黑體" pitchFamily="34" charset="-120"/>
+            </a:endParaRPr>
+          </a:p>
+        </p:txBody>
+      </p:sp>
+    </p:spTree>
+  </p:cSld>
+  <p:clrMapOvr>
+    <a:masterClrMapping/>
+  </p:clrMapOvr>
+  <p:timing>
+    <p:tnLst>
+      <p:par>
+        <p:cTn id="1" dur="indefinite" restart="never" nodeType="tmRoot"/>
+      </p:par>
+    </p:tnLst>
+  </p:timing>
+</p:sld>
+</file>
+
+<file path=ppt/slides/slide13.xml><?xml version="1.0" encoding="utf-8"?>
+<p:sld xmlns:a="http://schemas.openxmlformats.org/drawingml/2006/main" xmlns:r="http://schemas.openxmlformats.org/officeDocument/2006/relationships" xmlns:p="http://schemas.openxmlformats.org/presentationml/2006/main">
+  <p:cSld>
+    <p:spTree>
+      <p:nvGrpSpPr>
+        <p:cNvPr id="1" name=""/>
+        <p:cNvGrpSpPr/>
+        <p:nvPr/>
+      </p:nvGrpSpPr>
+      <p:grpSpPr>
+        <a:xfrm>
+          <a:off x="0" y="0"/>
+          <a:ext cx="0" cy="0"/>
+          <a:chOff x="0" y="0"/>
+          <a:chExt cx="0" cy="0"/>
+        </a:xfrm>
+      </p:grpSpPr>
+      <p:sp>
+        <p:nvSpPr>
+          <p:cNvPr id="2" name="標題 1"/>
+          <p:cNvSpPr>
+            <a:spLocks noGrp="1"/>
+          </p:cNvSpPr>
+          <p:nvPr>
+            <p:ph type="title"/>
+          </p:nvPr>
+        </p:nvSpPr>
+        <p:spPr/>
+        <p:txBody>
+          <a:bodyPr/>
+          <a:lstStyle/>
+          <a:p>
+            <a:endParaRPr lang="zh-TW" altLang="en-US"/>
+          </a:p>
+        </p:txBody>
+      </p:sp>
+      <p:sp>
+        <p:nvSpPr>
+          <p:cNvPr id="3" name="內容版面配置區 2"/>
+          <p:cNvSpPr>
+            <a:spLocks noGrp="1"/>
+          </p:cNvSpPr>
+          <p:nvPr>
+            <p:ph idx="1"/>
+          </p:nvPr>
+        </p:nvSpPr>
+        <p:spPr/>
+        <p:txBody>
+          <a:bodyPr>
+            <a:noAutofit/>
+          </a:bodyPr>
+          <a:lstStyle/>
+          <a:p>
+            <a:pPr algn="ctr">
+              <a:buNone/>
+            </a:pPr>
+            <a:r>
+              <a:rPr lang="zh-TW" altLang="en-US" sz="6400" b="1" dirty="0" smtClean="0">
+                <a:solidFill>
+                  <a:srgbClr val="660033"/>
+                </a:solidFill>
+                <a:latin typeface="微軟正黑體" pitchFamily="34" charset="-120"/>
+                <a:ea typeface="微軟正黑體" pitchFamily="34" charset="-120"/>
+              </a:rPr>
+              <a:t>到  各山嶺去傳揚</a:t>
+            </a:r>
+            <a:endParaRPr lang="en-US" altLang="en-US" sz="6400" b="1" dirty="0" smtClean="0">
+              <a:solidFill>
+                <a:srgbClr val="660033"/>
+              </a:solidFill>
+              <a:latin typeface="微軟正黑體" pitchFamily="34" charset="-120"/>
+              <a:ea typeface="微軟正黑體" pitchFamily="34" charset="-120"/>
+            </a:endParaRPr>
+          </a:p>
+          <a:p>
+            <a:pPr algn="ctr">
+              <a:buNone/>
+            </a:pPr>
+            <a:r>
+              <a:rPr lang="zh-TW" altLang="en-US" sz="6400" b="1" dirty="0" smtClean="0">
+                <a:solidFill>
+                  <a:srgbClr val="660033"/>
+                </a:solidFill>
+                <a:latin typeface="微軟正黑體" pitchFamily="34" charset="-120"/>
+                <a:ea typeface="微軟正黑體" pitchFamily="34" charset="-120"/>
+              </a:rPr>
+              <a:t>越過山崗到各地方</a:t>
+            </a:r>
+            <a:endParaRPr lang="en-US" altLang="en-US" sz="6400" b="1" dirty="0" smtClean="0">
+              <a:solidFill>
+                <a:srgbClr val="660033"/>
+              </a:solidFill>
+              <a:latin typeface="微軟正黑體" pitchFamily="34" charset="-120"/>
+              <a:ea typeface="微軟正黑體" pitchFamily="34" charset="-120"/>
+            </a:endParaRPr>
+          </a:p>
+          <a:p>
+            <a:pPr algn="ctr">
+              <a:buNone/>
+            </a:pPr>
+            <a:r>
+              <a:rPr lang="zh-TW" altLang="en-US" sz="6400" b="1" dirty="0" smtClean="0">
+                <a:solidFill>
+                  <a:srgbClr val="660033"/>
+                </a:solidFill>
+                <a:latin typeface="微軟正黑體" pitchFamily="34" charset="-120"/>
+                <a:ea typeface="微軟正黑體" pitchFamily="34" charset="-120"/>
+              </a:rPr>
+              <a:t>到 各山嶺去傳揚</a:t>
+            </a:r>
+            <a:endParaRPr lang="en-US" altLang="en-US" sz="6400" b="1" dirty="0" smtClean="0">
+              <a:solidFill>
+                <a:srgbClr val="660033"/>
+              </a:solidFill>
+              <a:latin typeface="微軟正黑體" pitchFamily="34" charset="-120"/>
+              <a:ea typeface="微軟正黑體" pitchFamily="34" charset="-120"/>
+            </a:endParaRPr>
+          </a:p>
+          <a:p>
+            <a:pPr algn="ctr">
+              <a:buNone/>
+            </a:pPr>
+            <a:r>
+              <a:rPr lang="zh-TW" altLang="en-US" sz="6400" b="1" dirty="0" smtClean="0">
+                <a:solidFill>
+                  <a:srgbClr val="660033"/>
+                </a:solidFill>
+                <a:latin typeface="微軟正黑體" pitchFamily="34" charset="-120"/>
+                <a:ea typeface="微軟正黑體" pitchFamily="34" charset="-120"/>
+              </a:rPr>
+              <a:t>說基督  已降    生</a:t>
+            </a:r>
+            <a:endParaRPr lang="en-US" altLang="en-US" sz="6400" b="1" dirty="0" smtClean="0">
+              <a:solidFill>
+                <a:srgbClr val="660033"/>
+              </a:solidFill>
+              <a:latin typeface="微軟正黑體" pitchFamily="34" charset="-120"/>
+              <a:ea typeface="微軟正黑體" pitchFamily="34" charset="-120"/>
+            </a:endParaRPr>
+          </a:p>
+        </p:txBody>
+      </p:sp>
+    </p:spTree>
+  </p:cSld>
+  <p:clrMapOvr>
+    <a:masterClrMapping/>
+  </p:clrMapOvr>
+  <p:timing>
+    <p:tnLst>
+      <p:par>
+        <p:cTn id="1" dur="indefinite" restart="never" nodeType="tmRoot"/>
+      </p:par>
+    </p:tnLst>
+  </p:timing>
 </p:sld>
 </file>
 
@@ -3311,13 +3950,20 @@
     </p:spTree>
     <p:extLst>
       <p:ext uri="{BB962C8B-B14F-4D97-AF65-F5344CB8AC3E}">
-        <p14:creationId xmlns:p14="http://schemas.microsoft.com/office/powerpoint/2010/main" val="4179012435"/>
+        <p14:creationId xmlns:p14="http://schemas.microsoft.com/office/powerpoint/2010/main" xmlns="" val="4179012435"/>
       </p:ext>
     </p:extLst>
   </p:cSld>
   <p:clrMapOvr>
     <a:masterClrMapping/>
   </p:clrMapOvr>
+  <p:timing>
+    <p:tnLst>
+      <p:par>
+        <p:cTn id="1" dur="indefinite" restart="never" nodeType="tmRoot"/>
+      </p:par>
+    </p:tnLst>
+  </p:timing>
 </p:sld>
 </file>
 
@@ -3448,13 +4094,20 @@
     </p:spTree>
     <p:extLst>
       <p:ext uri="{BB962C8B-B14F-4D97-AF65-F5344CB8AC3E}">
-        <p14:creationId xmlns:p14="http://schemas.microsoft.com/office/powerpoint/2010/main" val="3534533613"/>
+        <p14:creationId xmlns:p14="http://schemas.microsoft.com/office/powerpoint/2010/main" xmlns="" val="3534533613"/>
       </p:ext>
     </p:extLst>
   </p:cSld>
   <p:clrMapOvr>
     <a:masterClrMapping/>
   </p:clrMapOvr>
+  <p:timing>
+    <p:tnLst>
+      <p:par>
+        <p:cTn id="1" dur="indefinite" restart="never" nodeType="tmRoot"/>
+      </p:par>
+    </p:tnLst>
+  </p:timing>
 </p:sld>
 </file>
 
@@ -3555,13 +4208,20 @@
     </p:spTree>
     <p:extLst>
       <p:ext uri="{BB962C8B-B14F-4D97-AF65-F5344CB8AC3E}">
-        <p14:creationId xmlns:p14="http://schemas.microsoft.com/office/powerpoint/2010/main" val="1440795091"/>
+        <p14:creationId xmlns:p14="http://schemas.microsoft.com/office/powerpoint/2010/main" xmlns="" val="1440795091"/>
       </p:ext>
     </p:extLst>
   </p:cSld>
   <p:clrMapOvr>
     <a:masterClrMapping/>
   </p:clrMapOvr>
+  <p:timing>
+    <p:tnLst>
+      <p:par>
+        <p:cTn id="1" dur="indefinite" restart="never" nodeType="tmRoot"/>
+      </p:par>
+    </p:tnLst>
+  </p:timing>
 </p:sld>
 </file>
 
@@ -3712,13 +4372,669 @@
     </p:spTree>
     <p:extLst>
       <p:ext uri="{BB962C8B-B14F-4D97-AF65-F5344CB8AC3E}">
-        <p14:creationId xmlns:p14="http://schemas.microsoft.com/office/powerpoint/2010/main" val="1100820243"/>
+        <p14:creationId xmlns:p14="http://schemas.microsoft.com/office/powerpoint/2010/main" xmlns="" val="1100820243"/>
       </p:ext>
     </p:extLst>
   </p:cSld>
   <p:clrMapOvr>
     <a:masterClrMapping/>
   </p:clrMapOvr>
+  <p:timing>
+    <p:tnLst>
+      <p:par>
+        <p:cTn id="1" dur="indefinite" restart="never" nodeType="tmRoot"/>
+      </p:par>
+    </p:tnLst>
+  </p:timing>
+</p:sld>
+</file>
+
+<file path=ppt/slides/slide6.xml><?xml version="1.0" encoding="utf-8"?>
+<p:sld xmlns:a="http://schemas.openxmlformats.org/drawingml/2006/main" xmlns:r="http://schemas.openxmlformats.org/officeDocument/2006/relationships" xmlns:p="http://schemas.openxmlformats.org/presentationml/2006/main">
+  <p:cSld>
+    <p:bg>
+      <p:bgPr>
+        <a:blipFill dpi="0" rotWithShape="1">
+          <a:blip r:embed="rId3"/>
+          <a:srcRect/>
+          <a:tile tx="0" ty="0" sx="100000" sy="100000" flip="none" algn="tl"/>
+        </a:blipFill>
+        <a:effectLst/>
+      </p:bgPr>
+    </p:bg>
+    <p:spTree>
+      <p:nvGrpSpPr>
+        <p:cNvPr id="1" name=""/>
+        <p:cNvGrpSpPr/>
+        <p:nvPr/>
+      </p:nvGrpSpPr>
+      <p:grpSpPr>
+        <a:xfrm>
+          <a:off x="0" y="0"/>
+          <a:ext cx="0" cy="0"/>
+          <a:chOff x="0" y="0"/>
+          <a:chExt cx="0" cy="0"/>
+        </a:xfrm>
+      </p:grpSpPr>
+      <p:sp>
+        <p:nvSpPr>
+          <p:cNvPr id="2" name="標題 1"/>
+          <p:cNvSpPr>
+            <a:spLocks noGrp="1"/>
+          </p:cNvSpPr>
+          <p:nvPr>
+            <p:ph type="title"/>
+          </p:nvPr>
+        </p:nvSpPr>
+        <p:spPr/>
+        <p:txBody>
+          <a:bodyPr/>
+          <a:lstStyle/>
+          <a:p>
+            <a:endParaRPr lang="zh-TW" altLang="en-US"/>
+          </a:p>
+        </p:txBody>
+      </p:sp>
+      <p:sp>
+        <p:nvSpPr>
+          <p:cNvPr id="3" name="內容版面配置區 2"/>
+          <p:cNvSpPr>
+            <a:spLocks noGrp="1"/>
+          </p:cNvSpPr>
+          <p:nvPr>
+            <p:ph idx="1"/>
+          </p:nvPr>
+        </p:nvSpPr>
+        <p:spPr>
+          <a:xfrm>
+            <a:off x="609600" y="2571744"/>
+            <a:ext cx="10972800" cy="3554420"/>
+          </a:xfrm>
+        </p:spPr>
+        <p:txBody>
+          <a:bodyPr>
+            <a:normAutofit/>
+          </a:bodyPr>
+          <a:lstStyle/>
+          <a:p>
+            <a:pPr algn="ctr">
+              <a:spcBef>
+                <a:spcPct val="0"/>
+              </a:spcBef>
+              <a:buNone/>
+            </a:pPr>
+            <a:r>
+              <a:rPr lang="zh-TW" altLang="en-US" sz="7200" b="1" i="1" dirty="0" smtClean="0">
+                <a:solidFill>
+                  <a:srgbClr val="660033"/>
+                </a:solidFill>
+                <a:effectLst>
+                  <a:outerShdw blurRad="38100" dist="38100" dir="2700000" algn="tl">
+                    <a:srgbClr val="000000">
+                      <a:alpha val="43137"/>
+                    </a:srgbClr>
+                  </a:outerShdw>
+                </a:effectLst>
+                <a:latin typeface="微軟正黑體" pitchFamily="34" charset="-120"/>
+                <a:ea typeface="微軟正黑體" pitchFamily="34" charset="-120"/>
+                <a:cs typeface="+mj-cs"/>
+              </a:rPr>
+              <a:t>到各</a:t>
+            </a:r>
+            <a:r>
+              <a:rPr lang="zh-TW" altLang="en-US" sz="7200" b="1" i="1" dirty="0" smtClean="0">
+                <a:solidFill>
+                  <a:srgbClr val="660033"/>
+                </a:solidFill>
+                <a:effectLst>
+                  <a:outerShdw blurRad="38100" dist="38100" dir="2700000" algn="tl">
+                    <a:srgbClr val="000000">
+                      <a:alpha val="43137"/>
+                    </a:srgbClr>
+                  </a:outerShdw>
+                </a:effectLst>
+                <a:latin typeface="微軟正黑體" pitchFamily="34" charset="-120"/>
+                <a:ea typeface="微軟正黑體" pitchFamily="34" charset="-120"/>
+                <a:cs typeface="+mj-cs"/>
+              </a:rPr>
+              <a:t>山嶺去傳揚</a:t>
+            </a:r>
+            <a:endParaRPr lang="en-US" altLang="en-US" sz="7200" b="1" i="1" dirty="0" smtClean="0">
+              <a:solidFill>
+                <a:srgbClr val="660033"/>
+              </a:solidFill>
+              <a:effectLst>
+                <a:outerShdw blurRad="38100" dist="38100" dir="2700000" algn="tl">
+                  <a:srgbClr val="000000">
+                    <a:alpha val="43137"/>
+                  </a:srgbClr>
+                </a:outerShdw>
+              </a:effectLst>
+              <a:latin typeface="微軟正黑體" pitchFamily="34" charset="-120"/>
+              <a:ea typeface="微軟正黑體" pitchFamily="34" charset="-120"/>
+              <a:cs typeface="+mj-cs"/>
+            </a:endParaRPr>
+          </a:p>
+          <a:p>
+            <a:pPr algn="ctr">
+              <a:buNone/>
+            </a:pPr>
+            <a:endParaRPr lang="zh-TW" altLang="en-US" sz="6400" b="1" dirty="0">
+              <a:solidFill>
+                <a:srgbClr val="660033"/>
+              </a:solidFill>
+              <a:latin typeface="微軟正黑體" pitchFamily="34" charset="-120"/>
+              <a:ea typeface="微軟正黑體" pitchFamily="34" charset="-120"/>
+            </a:endParaRPr>
+          </a:p>
+        </p:txBody>
+      </p:sp>
+    </p:spTree>
+  </p:cSld>
+  <p:clrMapOvr>
+    <a:overrideClrMapping bg1="lt1" tx1="dk1" bg2="lt2" tx2="dk2" accent1="accent1" accent2="accent2" accent3="accent3" accent4="accent4" accent5="accent5" accent6="accent6" hlink="hlink" folHlink="folHlink"/>
+  </p:clrMapOvr>
+  <p:timing>
+    <p:tnLst>
+      <p:par>
+        <p:cTn id="1" dur="indefinite" restart="never" nodeType="tmRoot"/>
+      </p:par>
+    </p:tnLst>
+  </p:timing>
+</p:sld>
+</file>
+
+<file path=ppt/slides/slide7.xml><?xml version="1.0" encoding="utf-8"?>
+<p:sld xmlns:a="http://schemas.openxmlformats.org/drawingml/2006/main" xmlns:r="http://schemas.openxmlformats.org/officeDocument/2006/relationships" xmlns:p="http://schemas.openxmlformats.org/presentationml/2006/main">
+  <p:cSld>
+    <p:spTree>
+      <p:nvGrpSpPr>
+        <p:cNvPr id="1" name=""/>
+        <p:cNvGrpSpPr/>
+        <p:nvPr/>
+      </p:nvGrpSpPr>
+      <p:grpSpPr>
+        <a:xfrm>
+          <a:off x="0" y="0"/>
+          <a:ext cx="0" cy="0"/>
+          <a:chOff x="0" y="0"/>
+          <a:chExt cx="0" cy="0"/>
+        </a:xfrm>
+      </p:grpSpPr>
+      <p:sp>
+        <p:nvSpPr>
+          <p:cNvPr id="2" name="標題 1"/>
+          <p:cNvSpPr>
+            <a:spLocks noGrp="1"/>
+          </p:cNvSpPr>
+          <p:nvPr>
+            <p:ph type="title"/>
+          </p:nvPr>
+        </p:nvSpPr>
+        <p:spPr/>
+        <p:txBody>
+          <a:bodyPr/>
+          <a:lstStyle/>
+          <a:p>
+            <a:endParaRPr lang="zh-TW" altLang="en-US"/>
+          </a:p>
+        </p:txBody>
+      </p:sp>
+      <p:sp>
+        <p:nvSpPr>
+          <p:cNvPr id="3" name="內容版面配置區 2"/>
+          <p:cNvSpPr>
+            <a:spLocks noGrp="1"/>
+          </p:cNvSpPr>
+          <p:nvPr>
+            <p:ph idx="1"/>
+          </p:nvPr>
+        </p:nvSpPr>
+        <p:spPr/>
+        <p:txBody>
+          <a:bodyPr>
+            <a:noAutofit/>
+          </a:bodyPr>
+          <a:lstStyle/>
+          <a:p>
+            <a:pPr algn="ctr">
+              <a:buNone/>
+            </a:pPr>
+            <a:r>
+              <a:rPr lang="zh-TW" altLang="en-US" sz="6400" b="1" dirty="0" smtClean="0">
+                <a:solidFill>
+                  <a:srgbClr val="660033"/>
+                </a:solidFill>
+                <a:latin typeface="微軟正黑體" pitchFamily="34" charset="-120"/>
+                <a:ea typeface="微軟正黑體" pitchFamily="34" charset="-120"/>
+              </a:rPr>
+              <a:t>到  各山嶺去傳揚</a:t>
+            </a:r>
+            <a:endParaRPr lang="en-US" altLang="en-US" sz="6400" b="1" dirty="0" smtClean="0">
+              <a:solidFill>
+                <a:srgbClr val="660033"/>
+              </a:solidFill>
+              <a:latin typeface="微軟正黑體" pitchFamily="34" charset="-120"/>
+              <a:ea typeface="微軟正黑體" pitchFamily="34" charset="-120"/>
+            </a:endParaRPr>
+          </a:p>
+          <a:p>
+            <a:pPr algn="ctr">
+              <a:buNone/>
+            </a:pPr>
+            <a:r>
+              <a:rPr lang="zh-TW" altLang="en-US" sz="6400" b="1" dirty="0" smtClean="0">
+                <a:solidFill>
+                  <a:srgbClr val="660033"/>
+                </a:solidFill>
+                <a:latin typeface="微軟正黑體" pitchFamily="34" charset="-120"/>
+                <a:ea typeface="微軟正黑體" pitchFamily="34" charset="-120"/>
+              </a:rPr>
+              <a:t>越過山崗到各地方</a:t>
+            </a:r>
+            <a:endParaRPr lang="en-US" altLang="en-US" sz="6400" b="1" dirty="0" smtClean="0">
+              <a:solidFill>
+                <a:srgbClr val="660033"/>
+              </a:solidFill>
+              <a:latin typeface="微軟正黑體" pitchFamily="34" charset="-120"/>
+              <a:ea typeface="微軟正黑體" pitchFamily="34" charset="-120"/>
+            </a:endParaRPr>
+          </a:p>
+          <a:p>
+            <a:pPr algn="ctr">
+              <a:buNone/>
+            </a:pPr>
+            <a:r>
+              <a:rPr lang="zh-TW" altLang="en-US" sz="6400" b="1" dirty="0" smtClean="0">
+                <a:solidFill>
+                  <a:srgbClr val="660033"/>
+                </a:solidFill>
+                <a:latin typeface="微軟正黑體" pitchFamily="34" charset="-120"/>
+                <a:ea typeface="微軟正黑體" pitchFamily="34" charset="-120"/>
+              </a:rPr>
+              <a:t>到 各山嶺去傳揚</a:t>
+            </a:r>
+            <a:endParaRPr lang="en-US" altLang="en-US" sz="6400" b="1" dirty="0" smtClean="0">
+              <a:solidFill>
+                <a:srgbClr val="660033"/>
+              </a:solidFill>
+              <a:latin typeface="微軟正黑體" pitchFamily="34" charset="-120"/>
+              <a:ea typeface="微軟正黑體" pitchFamily="34" charset="-120"/>
+            </a:endParaRPr>
+          </a:p>
+          <a:p>
+            <a:pPr algn="ctr">
+              <a:buNone/>
+            </a:pPr>
+            <a:r>
+              <a:rPr lang="zh-TW" altLang="en-US" sz="6400" b="1" dirty="0" smtClean="0">
+                <a:solidFill>
+                  <a:srgbClr val="660033"/>
+                </a:solidFill>
+                <a:latin typeface="微軟正黑體" pitchFamily="34" charset="-120"/>
+                <a:ea typeface="微軟正黑體" pitchFamily="34" charset="-120"/>
+              </a:rPr>
+              <a:t>說基督  已降    生</a:t>
+            </a:r>
+            <a:endParaRPr lang="en-US" altLang="en-US" sz="6400" b="1" dirty="0" smtClean="0">
+              <a:solidFill>
+                <a:srgbClr val="660033"/>
+              </a:solidFill>
+              <a:latin typeface="微軟正黑體" pitchFamily="34" charset="-120"/>
+              <a:ea typeface="微軟正黑體" pitchFamily="34" charset="-120"/>
+            </a:endParaRPr>
+          </a:p>
+        </p:txBody>
+      </p:sp>
+    </p:spTree>
+  </p:cSld>
+  <p:clrMapOvr>
+    <a:masterClrMapping/>
+  </p:clrMapOvr>
+  <p:timing>
+    <p:tnLst>
+      <p:par>
+        <p:cTn id="1" dur="indefinite" restart="never" nodeType="tmRoot"/>
+      </p:par>
+    </p:tnLst>
+  </p:timing>
+</p:sld>
+</file>
+
+<file path=ppt/slides/slide8.xml><?xml version="1.0" encoding="utf-8"?>
+<p:sld xmlns:a="http://schemas.openxmlformats.org/drawingml/2006/main" xmlns:r="http://schemas.openxmlformats.org/officeDocument/2006/relationships" xmlns:p="http://schemas.openxmlformats.org/presentationml/2006/main">
+  <p:cSld>
+    <p:spTree>
+      <p:nvGrpSpPr>
+        <p:cNvPr id="1" name=""/>
+        <p:cNvGrpSpPr/>
+        <p:nvPr/>
+      </p:nvGrpSpPr>
+      <p:grpSpPr>
+        <a:xfrm>
+          <a:off x="0" y="0"/>
+          <a:ext cx="0" cy="0"/>
+          <a:chOff x="0" y="0"/>
+          <a:chExt cx="0" cy="0"/>
+        </a:xfrm>
+      </p:grpSpPr>
+      <p:sp>
+        <p:nvSpPr>
+          <p:cNvPr id="2" name="標題 1"/>
+          <p:cNvSpPr>
+            <a:spLocks noGrp="1"/>
+          </p:cNvSpPr>
+          <p:nvPr>
+            <p:ph type="title"/>
+          </p:nvPr>
+        </p:nvSpPr>
+        <p:spPr/>
+        <p:txBody>
+          <a:bodyPr/>
+          <a:lstStyle/>
+          <a:p>
+            <a:endParaRPr lang="zh-TW" altLang="en-US"/>
+          </a:p>
+        </p:txBody>
+      </p:sp>
+      <p:sp>
+        <p:nvSpPr>
+          <p:cNvPr id="3" name="內容版面配置區 2"/>
+          <p:cNvSpPr>
+            <a:spLocks noGrp="1"/>
+          </p:cNvSpPr>
+          <p:nvPr>
+            <p:ph idx="1"/>
+          </p:nvPr>
+        </p:nvSpPr>
+        <p:spPr/>
+        <p:txBody>
+          <a:bodyPr>
+            <a:noAutofit/>
+          </a:bodyPr>
+          <a:lstStyle/>
+          <a:p>
+            <a:pPr algn="ctr">
+              <a:buNone/>
+            </a:pPr>
+            <a:r>
+              <a:rPr lang="zh-TW" altLang="en-US" sz="6400" b="1" dirty="0" smtClean="0">
+                <a:solidFill>
+                  <a:srgbClr val="660033"/>
+                </a:solidFill>
+                <a:latin typeface="微軟正黑體" pitchFamily="34" charset="-120"/>
+                <a:ea typeface="微軟正黑體" pitchFamily="34" charset="-120"/>
+              </a:rPr>
+              <a:t>當我以前尋求</a:t>
+            </a:r>
+            <a:endParaRPr lang="en-US" altLang="en-US" sz="6400" b="1" dirty="0" smtClean="0">
+              <a:solidFill>
+                <a:srgbClr val="660033"/>
+              </a:solidFill>
+              <a:latin typeface="微軟正黑體" pitchFamily="34" charset="-120"/>
+              <a:ea typeface="微軟正黑體" pitchFamily="34" charset="-120"/>
+            </a:endParaRPr>
+          </a:p>
+          <a:p>
+            <a:pPr algn="ctr">
+              <a:buNone/>
+            </a:pPr>
+            <a:r>
+              <a:rPr lang="zh-TW" altLang="en-US" sz="6400" b="1" dirty="0" smtClean="0">
+                <a:solidFill>
+                  <a:srgbClr val="660033"/>
+                </a:solidFill>
+                <a:latin typeface="微軟正黑體" pitchFamily="34" charset="-120"/>
+                <a:ea typeface="微軟正黑體" pitchFamily="34" charset="-120"/>
+              </a:rPr>
+              <a:t>不論</a:t>
+            </a:r>
+            <a:r>
+              <a:rPr lang="zh-TW" altLang="en-US" sz="6400" b="1" dirty="0" smtClean="0">
+                <a:solidFill>
+                  <a:srgbClr val="660033"/>
+                </a:solidFill>
+                <a:latin typeface="微軟正黑體" pitchFamily="34" charset="-120"/>
+                <a:ea typeface="微軟正黑體" pitchFamily="34" charset="-120"/>
+              </a:rPr>
+              <a:t>黑夜白晝</a:t>
+            </a:r>
+            <a:endParaRPr lang="en-US" altLang="en-US" sz="6400" b="1" dirty="0" smtClean="0">
+              <a:solidFill>
+                <a:srgbClr val="660033"/>
+              </a:solidFill>
+              <a:latin typeface="微軟正黑體" pitchFamily="34" charset="-120"/>
+              <a:ea typeface="微軟正黑體" pitchFamily="34" charset="-120"/>
+            </a:endParaRPr>
+          </a:p>
+          <a:p>
+            <a:pPr algn="ctr">
+              <a:buNone/>
+            </a:pPr>
+            <a:r>
+              <a:rPr lang="zh-TW" altLang="en-US" sz="6400" b="1" dirty="0" smtClean="0">
+                <a:solidFill>
+                  <a:srgbClr val="660033"/>
+                </a:solidFill>
+                <a:latin typeface="微軟正黑體" pitchFamily="34" charset="-120"/>
+                <a:ea typeface="微軟正黑體" pitchFamily="34" charset="-120"/>
+              </a:rPr>
+              <a:t>我求耶穌來幫助</a:t>
+            </a:r>
+            <a:endParaRPr lang="en-US" altLang="en-US" sz="6400" b="1" dirty="0" smtClean="0">
+              <a:solidFill>
+                <a:srgbClr val="660033"/>
+              </a:solidFill>
+              <a:latin typeface="微軟正黑體" pitchFamily="34" charset="-120"/>
+              <a:ea typeface="微軟正黑體" pitchFamily="34" charset="-120"/>
+            </a:endParaRPr>
+          </a:p>
+          <a:p>
+            <a:pPr algn="ctr">
+              <a:buNone/>
+            </a:pPr>
+            <a:r>
+              <a:rPr lang="zh-TW" altLang="en-US" sz="6400" b="1" smtClean="0">
+                <a:solidFill>
+                  <a:srgbClr val="660033"/>
+                </a:solidFill>
+                <a:latin typeface="微軟正黑體" pitchFamily="34" charset="-120"/>
+                <a:ea typeface="微軟正黑體" pitchFamily="34" charset="-120"/>
+              </a:rPr>
+              <a:t>祂</a:t>
+            </a:r>
+            <a:r>
+              <a:rPr lang="zh-TW" altLang="en-US" sz="6400" b="1" smtClean="0">
+                <a:solidFill>
+                  <a:srgbClr val="660033"/>
+                </a:solidFill>
+                <a:latin typeface="微軟正黑體" pitchFamily="34" charset="-120"/>
+                <a:ea typeface="微軟正黑體" pitchFamily="34" charset="-120"/>
+              </a:rPr>
+              <a:t>就指示</a:t>
+            </a:r>
+            <a:r>
+              <a:rPr lang="zh-TW" altLang="en-US" sz="6400" b="1" dirty="0" smtClean="0">
+                <a:solidFill>
+                  <a:srgbClr val="660033"/>
+                </a:solidFill>
+                <a:latin typeface="微軟正黑體" pitchFamily="34" charset="-120"/>
+                <a:ea typeface="微軟正黑體" pitchFamily="34" charset="-120"/>
+              </a:rPr>
+              <a:t>我路</a:t>
+            </a:r>
+          </a:p>
+        </p:txBody>
+      </p:sp>
+    </p:spTree>
+  </p:cSld>
+  <p:clrMapOvr>
+    <a:masterClrMapping/>
+  </p:clrMapOvr>
+  <p:timing>
+    <p:tnLst>
+      <p:par>
+        <p:cTn id="1" dur="indefinite" restart="never" nodeType="tmRoot"/>
+      </p:par>
+    </p:tnLst>
+  </p:timing>
+</p:sld>
+</file>
+
+<file path=ppt/slides/slide9.xml><?xml version="1.0" encoding="utf-8"?>
+<p:sld xmlns:a="http://schemas.openxmlformats.org/drawingml/2006/main" xmlns:r="http://schemas.openxmlformats.org/officeDocument/2006/relationships" xmlns:p="http://schemas.openxmlformats.org/presentationml/2006/main">
+  <p:cSld>
+    <p:spTree>
+      <p:nvGrpSpPr>
+        <p:cNvPr id="1" name=""/>
+        <p:cNvGrpSpPr/>
+        <p:nvPr/>
+      </p:nvGrpSpPr>
+      <p:grpSpPr>
+        <a:xfrm>
+          <a:off x="0" y="0"/>
+          <a:ext cx="0" cy="0"/>
+          <a:chOff x="0" y="0"/>
+          <a:chExt cx="0" cy="0"/>
+        </a:xfrm>
+      </p:grpSpPr>
+      <p:sp>
+        <p:nvSpPr>
+          <p:cNvPr id="2" name="標題 1"/>
+          <p:cNvSpPr>
+            <a:spLocks noGrp="1"/>
+          </p:cNvSpPr>
+          <p:nvPr>
+            <p:ph type="title"/>
+          </p:nvPr>
+        </p:nvSpPr>
+        <p:spPr/>
+        <p:txBody>
+          <a:bodyPr/>
+          <a:lstStyle/>
+          <a:p>
+            <a:endParaRPr lang="zh-TW" altLang="en-US"/>
+          </a:p>
+        </p:txBody>
+      </p:sp>
+      <p:sp>
+        <p:nvSpPr>
+          <p:cNvPr id="3" name="內容版面配置區 2"/>
+          <p:cNvSpPr>
+            <a:spLocks noGrp="1"/>
+          </p:cNvSpPr>
+          <p:nvPr>
+            <p:ph idx="1"/>
+          </p:nvPr>
+        </p:nvSpPr>
+        <p:spPr/>
+        <p:txBody>
+          <a:bodyPr>
+            <a:noAutofit/>
+          </a:bodyPr>
+          <a:lstStyle/>
+          <a:p>
+            <a:pPr algn="ctr">
+              <a:buNone/>
+            </a:pPr>
+            <a:r>
+              <a:rPr lang="zh-TW" altLang="en-US" sz="6400" b="1" dirty="0" smtClean="0">
+                <a:solidFill>
+                  <a:srgbClr val="660033"/>
+                </a:solidFill>
+                <a:latin typeface="微軟正黑體" pitchFamily="34" charset="-120"/>
+                <a:ea typeface="微軟正黑體" pitchFamily="34" charset="-120"/>
+              </a:rPr>
+              <a:t>到  各山嶺去傳揚</a:t>
+            </a:r>
+            <a:endParaRPr lang="en-US" altLang="en-US" sz="6400" b="1" dirty="0" smtClean="0">
+              <a:solidFill>
+                <a:srgbClr val="660033"/>
+              </a:solidFill>
+              <a:latin typeface="微軟正黑體" pitchFamily="34" charset="-120"/>
+              <a:ea typeface="微軟正黑體" pitchFamily="34" charset="-120"/>
+            </a:endParaRPr>
+          </a:p>
+          <a:p>
+            <a:pPr algn="ctr">
+              <a:buNone/>
+            </a:pPr>
+            <a:r>
+              <a:rPr lang="zh-TW" altLang="en-US" sz="6400" b="1" dirty="0" smtClean="0">
+                <a:solidFill>
+                  <a:srgbClr val="660033"/>
+                </a:solidFill>
+                <a:latin typeface="微軟正黑體" pitchFamily="34" charset="-120"/>
+                <a:ea typeface="微軟正黑體" pitchFamily="34" charset="-120"/>
+              </a:rPr>
+              <a:t>越過山崗到各地方</a:t>
+            </a:r>
+            <a:endParaRPr lang="en-US" altLang="en-US" sz="6400" b="1" dirty="0" smtClean="0">
+              <a:solidFill>
+                <a:srgbClr val="660033"/>
+              </a:solidFill>
+              <a:latin typeface="微軟正黑體" pitchFamily="34" charset="-120"/>
+              <a:ea typeface="微軟正黑體" pitchFamily="34" charset="-120"/>
+            </a:endParaRPr>
+          </a:p>
+          <a:p>
+            <a:pPr algn="ctr">
+              <a:buNone/>
+            </a:pPr>
+            <a:r>
+              <a:rPr lang="zh-TW" altLang="en-US" sz="6400" b="1" dirty="0" smtClean="0">
+                <a:solidFill>
+                  <a:srgbClr val="660033"/>
+                </a:solidFill>
+                <a:latin typeface="微軟正黑體" pitchFamily="34" charset="-120"/>
+                <a:ea typeface="微軟正黑體" pitchFamily="34" charset="-120"/>
+              </a:rPr>
+              <a:t>到 各山嶺去傳揚</a:t>
+            </a:r>
+            <a:endParaRPr lang="en-US" altLang="en-US" sz="6400" b="1" dirty="0" smtClean="0">
+              <a:solidFill>
+                <a:srgbClr val="660033"/>
+              </a:solidFill>
+              <a:latin typeface="微軟正黑體" pitchFamily="34" charset="-120"/>
+              <a:ea typeface="微軟正黑體" pitchFamily="34" charset="-120"/>
+            </a:endParaRPr>
+          </a:p>
+          <a:p>
+            <a:pPr algn="ctr">
+              <a:buNone/>
+            </a:pPr>
+            <a:r>
+              <a:rPr lang="zh-TW" altLang="en-US" sz="6400" b="1" dirty="0" smtClean="0">
+                <a:solidFill>
+                  <a:srgbClr val="660033"/>
+                </a:solidFill>
+                <a:latin typeface="微軟正黑體" pitchFamily="34" charset="-120"/>
+                <a:ea typeface="微軟正黑體" pitchFamily="34" charset="-120"/>
+              </a:rPr>
+              <a:t>說基督  已降    生</a:t>
+            </a:r>
+            <a:endParaRPr lang="en-US" altLang="en-US" sz="6400" b="1" dirty="0" smtClean="0">
+              <a:solidFill>
+                <a:srgbClr val="660033"/>
+              </a:solidFill>
+              <a:latin typeface="微軟正黑體" pitchFamily="34" charset="-120"/>
+              <a:ea typeface="微軟正黑體" pitchFamily="34" charset="-120"/>
+            </a:endParaRPr>
+          </a:p>
+        </p:txBody>
+      </p:sp>
+    </p:spTree>
+  </p:cSld>
+  <p:clrMapOvr>
+    <a:masterClrMapping/>
+  </p:clrMapOvr>
+  <p:timing>
+    <p:tnLst>
+      <p:par>
+        <p:cTn id="1" dur="indefinite" restart="never" nodeType="tmRoot"/>
+      </p:par>
+    </p:tnLst>
+  </p:timing>
 </p:sld>
 </file>
 
@@ -4003,4 +5319,47 @@
   <a:objectDefaults/>
   <a:extraClrSchemeLst/>
 </a:theme>
+</file>
+
+<file path=ppt/theme/themeOverride1.xml><?xml version="1.0" encoding="utf-8"?>
+<a:themeOverride xmlns:a="http://schemas.openxmlformats.org/drawingml/2006/main">
+  <a:clrScheme name="Office">
+    <a:dk1>
+      <a:sysClr val="windowText" lastClr="000000"/>
+    </a:dk1>
+    <a:lt1>
+      <a:sysClr val="window" lastClr="FFFFFF"/>
+    </a:lt1>
+    <a:dk2>
+      <a:srgbClr val="1F497D"/>
+    </a:dk2>
+    <a:lt2>
+      <a:srgbClr val="EEECE1"/>
+    </a:lt2>
+    <a:accent1>
+      <a:srgbClr val="4F81BD"/>
+    </a:accent1>
+    <a:accent2>
+      <a:srgbClr val="C0504D"/>
+    </a:accent2>
+    <a:accent3>
+      <a:srgbClr val="9BBB59"/>
+    </a:accent3>
+    <a:accent4>
+      <a:srgbClr val="8064A2"/>
+    </a:accent4>
+    <a:accent5>
+      <a:srgbClr val="4BACC6"/>
+    </a:accent5>
+    <a:accent6>
+      <a:srgbClr val="F79646"/>
+    </a:accent6>
+    <a:hlink>
+      <a:srgbClr val="0000FF"/>
+    </a:hlink>
+    <a:folHlink>
+      <a:srgbClr val="800080"/>
+    </a:folHlink>
+  </a:clrScheme>
+</a:themeOverride>
 </file>